--- a/tutorials/presentations/Lecture3.pptx
+++ b/tutorials/presentations/Lecture3.pptx
@@ -12,6 +12,7 @@
     <p:sldId id="266" r:id="rId6"/>
     <p:sldId id="261" r:id="rId7"/>
     <p:sldId id="263" r:id="rId8"/>
+    <p:sldId id="267" r:id="rId9"/>
   </p:sldIdLst>
   <p:sldSz cx="12192000" cy="6858000"/>
   <p:notesSz cx="6858000" cy="9144000"/>
@@ -123,7 +124,7 @@
   <p1510:revLst>
     <p1510:client id="{2A4F3FF4-B48F-4BF2-8996-C16EAC4E46EE}" v="11" dt="2025-06-10T11:18:53.831"/>
     <p1510:client id="{78C1D944-C5E2-4D33-BE3A-5C243E175D98}" v="22" dt="2025-06-10T10:39:16.928"/>
-    <p1510:client id="{B204C6DB-D499-4973-8E04-3A79F73ABFFA}" v="3" dt="2025-06-10T11:47:57.579"/>
+    <p1510:client id="{B204C6DB-D499-4973-8E04-3A79F73ABFFA}" v="8" dt="2025-06-10T12:01:26.867"/>
   </p1510:revLst>
 </p1510:revInfo>
 </file>
@@ -894,8 +895,8 @@
   </pc:docChgLst>
   <pc:docChgLst>
     <pc:chgData name="Ben Jones (Ben Jones)" userId="e6e8a0f3-34fe-4d14-b7ab-3a9f1769fff2" providerId="ADAL" clId="{B204C6DB-D499-4973-8E04-3A79F73ABFFA}"/>
-    <pc:docChg chg="undo custSel modSld">
-      <pc:chgData name="Ben Jones (Ben Jones)" userId="e6e8a0f3-34fe-4d14-b7ab-3a9f1769fff2" providerId="ADAL" clId="{B204C6DB-D499-4973-8E04-3A79F73ABFFA}" dt="2025-06-10T11:52:24.796" v="202" actId="113"/>
+    <pc:docChg chg="undo custSel addSld modSld">
+      <pc:chgData name="Ben Jones (Ben Jones)" userId="e6e8a0f3-34fe-4d14-b7ab-3a9f1769fff2" providerId="ADAL" clId="{B204C6DB-D499-4973-8E04-3A79F73ABFFA}" dt="2025-06-10T12:01:58.119" v="224" actId="113"/>
       <pc:docMkLst>
         <pc:docMk/>
       </pc:docMkLst>
@@ -961,7 +962,7 @@
         </pc:spChg>
       </pc:sldChg>
       <pc:sldChg chg="modSp mod">
-        <pc:chgData name="Ben Jones (Ben Jones)" userId="e6e8a0f3-34fe-4d14-b7ab-3a9f1769fff2" providerId="ADAL" clId="{B204C6DB-D499-4973-8E04-3A79F73ABFFA}" dt="2025-06-10T11:52:24.796" v="202" actId="113"/>
+        <pc:chgData name="Ben Jones (Ben Jones)" userId="e6e8a0f3-34fe-4d14-b7ab-3a9f1769fff2" providerId="ADAL" clId="{B204C6DB-D499-4973-8E04-3A79F73ABFFA}" dt="2025-06-10T12:00:53.307" v="204" actId="20577"/>
         <pc:sldMkLst>
           <pc:docMk/>
           <pc:sldMk cId="1175822862" sldId="263"/>
@@ -975,7 +976,7 @@
           </ac:spMkLst>
         </pc:spChg>
         <pc:spChg chg="mod">
-          <ac:chgData name="Ben Jones (Ben Jones)" userId="e6e8a0f3-34fe-4d14-b7ab-3a9f1769fff2" providerId="ADAL" clId="{B204C6DB-D499-4973-8E04-3A79F73ABFFA}" dt="2025-06-10T11:52:24.796" v="202" actId="113"/>
+          <ac:chgData name="Ben Jones (Ben Jones)" userId="e6e8a0f3-34fe-4d14-b7ab-3a9f1769fff2" providerId="ADAL" clId="{B204C6DB-D499-4973-8E04-3A79F73ABFFA}" dt="2025-06-10T12:00:53.307" v="204" actId="20577"/>
           <ac:spMkLst>
             <pc:docMk/>
             <pc:sldMk cId="1175822862" sldId="263"/>
@@ -1050,6 +1051,29 @@
             <pc:docMk/>
             <pc:sldMk cId="2628338777" sldId="266"/>
             <ac:spMk id="6" creationId="{95A9DC49-463E-4EFF-BD3E-E4AEF9DAF757}"/>
+          </ac:spMkLst>
+        </pc:spChg>
+      </pc:sldChg>
+      <pc:sldChg chg="modSp new mod">
+        <pc:chgData name="Ben Jones (Ben Jones)" userId="e6e8a0f3-34fe-4d14-b7ab-3a9f1769fff2" providerId="ADAL" clId="{B204C6DB-D499-4973-8E04-3A79F73ABFFA}" dt="2025-06-10T12:01:58.119" v="224" actId="113"/>
+        <pc:sldMkLst>
+          <pc:docMk/>
+          <pc:sldMk cId="525501252" sldId="267"/>
+        </pc:sldMkLst>
+        <pc:spChg chg="mod">
+          <ac:chgData name="Ben Jones (Ben Jones)" userId="e6e8a0f3-34fe-4d14-b7ab-3a9f1769fff2" providerId="ADAL" clId="{B204C6DB-D499-4973-8E04-3A79F73ABFFA}" dt="2025-06-10T12:01:08.694" v="207" actId="20577"/>
+          <ac:spMkLst>
+            <pc:docMk/>
+            <pc:sldMk cId="525501252" sldId="267"/>
+            <ac:spMk id="2" creationId="{4E39B84F-40E2-A933-0A0B-26AE4074B21B}"/>
+          </ac:spMkLst>
+        </pc:spChg>
+        <pc:spChg chg="mod">
+          <ac:chgData name="Ben Jones (Ben Jones)" userId="e6e8a0f3-34fe-4d14-b7ab-3a9f1769fff2" providerId="ADAL" clId="{B204C6DB-D499-4973-8E04-3A79F73ABFFA}" dt="2025-06-10T12:01:58.119" v="224" actId="113"/>
+          <ac:spMkLst>
+            <pc:docMk/>
+            <pc:sldMk cId="525501252" sldId="267"/>
+            <ac:spMk id="3" creationId="{55D2AEAE-B87B-B831-1DC0-2D5719D54B21}"/>
           </ac:spMkLst>
         </pc:spChg>
       </pc:sldChg>
@@ -5276,6 +5300,18 @@
             <a:pPr marL="0" indent="0">
               <a:buNone/>
             </a:pPr>
+            <a:r>
+              <a:rPr lang="en-AU" dirty="0">
+                <a:hlinkClick r:id="rId2"/>
+              </a:rPr>
+              <a:t>https://github.com/TempeHS/MicroPython_OOP_Pi_Pico_Mini_Project_Source/blob/main/tutorials/Lecture3.md#extend-the-functionality-of-the-led_light-class</a:t>
+            </a:r>
+            <a:endParaRPr lang="en-AU" dirty="0"/>
+          </a:p>
+          <a:p>
+            <a:pPr marL="0" indent="0">
+              <a:buNone/>
+            </a:pPr>
             <a:endParaRPr lang="en-AU" dirty="0"/>
           </a:p>
           <a:p>
@@ -5293,6 +5329,114 @@
     <p:extLst>
       <p:ext uri="{BB962C8B-B14F-4D97-AF65-F5344CB8AC3E}">
         <p14:creationId xmlns:p14="http://schemas.microsoft.com/office/powerpoint/2010/main" val="1175822862"/>
+      </p:ext>
+    </p:extLst>
+  </p:cSld>
+  <p:clrMapOvr>
+    <a:masterClrMapping/>
+  </p:clrMapOvr>
+</p:sld>
+</file>
+
+<file path=ppt/slides/slide8.xml><?xml version="1.0" encoding="utf-8"?>
+<p:sld xmlns:a="http://schemas.openxmlformats.org/drawingml/2006/main" xmlns:r="http://schemas.openxmlformats.org/officeDocument/2006/relationships" xmlns:p="http://schemas.openxmlformats.org/presentationml/2006/main">
+  <p:cSld>
+    <p:spTree>
+      <p:nvGrpSpPr>
+        <p:cNvPr id="1" name=""/>
+        <p:cNvGrpSpPr/>
+        <p:nvPr/>
+      </p:nvGrpSpPr>
+      <p:grpSpPr>
+        <a:xfrm>
+          <a:off x="0" y="0"/>
+          <a:ext cx="0" cy="0"/>
+          <a:chOff x="0" y="0"/>
+          <a:chExt cx="0" cy="0"/>
+        </a:xfrm>
+      </p:grpSpPr>
+      <p:sp>
+        <p:nvSpPr>
+          <p:cNvPr id="2" name="Title 1">
+            <a:extLst>
+              <a:ext uri="{FF2B5EF4-FFF2-40B4-BE49-F238E27FC236}">
+                <a16:creationId xmlns:a16="http://schemas.microsoft.com/office/drawing/2014/main" id="{4E39B84F-40E2-A933-0A0B-26AE4074B21B}"/>
+              </a:ext>
+            </a:extLst>
+          </p:cNvPr>
+          <p:cNvSpPr>
+            <a:spLocks noGrp="1"/>
+          </p:cNvSpPr>
+          <p:nvPr>
+            <p:ph type="title"/>
+          </p:nvPr>
+        </p:nvSpPr>
+        <p:spPr/>
+        <p:txBody>
+          <a:bodyPr/>
+          <a:lstStyle/>
+          <a:p>
+            <a:r>
+              <a:rPr lang="en-US" dirty="0"/>
+              <a:t>Complete led light class</a:t>
+            </a:r>
+            <a:endParaRPr lang="en-AU" dirty="0"/>
+          </a:p>
+        </p:txBody>
+      </p:sp>
+      <p:sp>
+        <p:nvSpPr>
+          <p:cNvPr id="3" name="Content Placeholder 2">
+            <a:extLst>
+              <a:ext uri="{FF2B5EF4-FFF2-40B4-BE49-F238E27FC236}">
+                <a16:creationId xmlns:a16="http://schemas.microsoft.com/office/drawing/2014/main" id="{55D2AEAE-B87B-B831-1DC0-2D5719D54B21}"/>
+              </a:ext>
+            </a:extLst>
+          </p:cNvPr>
+          <p:cNvSpPr>
+            <a:spLocks noGrp="1"/>
+          </p:cNvSpPr>
+          <p:nvPr>
+            <p:ph idx="1"/>
+          </p:nvPr>
+        </p:nvSpPr>
+        <p:spPr/>
+        <p:txBody>
+          <a:bodyPr/>
+          <a:lstStyle/>
+          <a:p>
+            <a:pPr marL="0" indent="0">
+              <a:buNone/>
+            </a:pPr>
+            <a:r>
+              <a:rPr lang="en-AU" dirty="0">
+                <a:hlinkClick r:id="rId2"/>
+              </a:rPr>
+              <a:t>https://github.com/TempeHS/MicroPython_OOP_Pi_Pico_Mini_Project_Source/blob/main/tutorials/Lecture3.md#complete-led-light-class</a:t>
+            </a:r>
+            <a:endParaRPr lang="en-AU" dirty="0"/>
+          </a:p>
+          <a:p>
+            <a:pPr marL="0" indent="0">
+              <a:buNone/>
+            </a:pPr>
+            <a:endParaRPr lang="en-AU" dirty="0"/>
+          </a:p>
+          <a:p>
+            <a:pPr marL="0" indent="0">
+              <a:buNone/>
+            </a:pPr>
+            <a:r>
+              <a:rPr lang="en-AU" b="1" dirty="0"/>
+              <a:t>Run: v12.py</a:t>
+            </a:r>
+          </a:p>
+        </p:txBody>
+      </p:sp>
+    </p:spTree>
+    <p:extLst>
+      <p:ext uri="{BB962C8B-B14F-4D97-AF65-F5344CB8AC3E}">
+        <p14:creationId xmlns:p14="http://schemas.microsoft.com/office/powerpoint/2010/main" val="525501252"/>
       </p:ext>
     </p:extLst>
   </p:cSld>

--- a/tutorials/presentations/Lecture3.pptx
+++ b/tutorials/presentations/Lecture3.pptx
@@ -378,6 +378,45 @@
     </pc:docChg>
   </pc:docChgLst>
   <pc:docChgLst>
+    <pc:chgData name="Ben Jones (Ben Jones)" userId="e6e8a0f3-34fe-4d14-b7ab-3a9f1769fff2" providerId="ADAL" clId="{BD9E21F1-1E25-4782-82AF-ACEC0DFA9BD6}"/>
+    <pc:docChg chg="modSld">
+      <pc:chgData name="Ben Jones (Ben Jones)" userId="e6e8a0f3-34fe-4d14-b7ab-3a9f1769fff2" providerId="ADAL" clId="{BD9E21F1-1E25-4782-82AF-ACEC0DFA9BD6}" dt="2025-06-11T05:54:01.941" v="68" actId="20577"/>
+      <pc:docMkLst>
+        <pc:docMk/>
+      </pc:docMkLst>
+      <pc:sldChg chg="modSp mod">
+        <pc:chgData name="Ben Jones (Ben Jones)" userId="e6e8a0f3-34fe-4d14-b7ab-3a9f1769fff2" providerId="ADAL" clId="{BD9E21F1-1E25-4782-82AF-ACEC0DFA9BD6}" dt="2025-06-11T05:54:01.941" v="68" actId="20577"/>
+        <pc:sldMkLst>
+          <pc:docMk/>
+          <pc:sldMk cId="3635014069" sldId="258"/>
+        </pc:sldMkLst>
+        <pc:spChg chg="mod">
+          <ac:chgData name="Ben Jones (Ben Jones)" userId="e6e8a0f3-34fe-4d14-b7ab-3a9f1769fff2" providerId="ADAL" clId="{BD9E21F1-1E25-4782-82AF-ACEC0DFA9BD6}" dt="2025-06-11T05:54:01.941" v="68" actId="20577"/>
+          <ac:spMkLst>
+            <pc:docMk/>
+            <pc:sldMk cId="3635014069" sldId="258"/>
+            <ac:spMk id="6" creationId="{1E0B453A-CD21-CEA9-19F5-A9097CDD28B8}"/>
+          </ac:spMkLst>
+        </pc:spChg>
+      </pc:sldChg>
+      <pc:sldChg chg="modSp mod">
+        <pc:chgData name="Ben Jones (Ben Jones)" userId="e6e8a0f3-34fe-4d14-b7ab-3a9f1769fff2" providerId="ADAL" clId="{BD9E21F1-1E25-4782-82AF-ACEC0DFA9BD6}" dt="2025-06-11T05:42:40.660" v="37" actId="20577"/>
+        <pc:sldMkLst>
+          <pc:docMk/>
+          <pc:sldMk cId="525501252" sldId="267"/>
+        </pc:sldMkLst>
+        <pc:spChg chg="mod">
+          <ac:chgData name="Ben Jones (Ben Jones)" userId="e6e8a0f3-34fe-4d14-b7ab-3a9f1769fff2" providerId="ADAL" clId="{BD9E21F1-1E25-4782-82AF-ACEC0DFA9BD6}" dt="2025-06-11T05:42:40.660" v="37" actId="20577"/>
+          <ac:spMkLst>
+            <pc:docMk/>
+            <pc:sldMk cId="525501252" sldId="267"/>
+            <ac:spMk id="2" creationId="{4E39B84F-40E2-A933-0A0B-26AE4074B21B}"/>
+          </ac:spMkLst>
+        </pc:spChg>
+      </pc:sldChg>
+    </pc:docChg>
+  </pc:docChgLst>
+  <pc:docChgLst>
     <pc:chgData name="Ben Jones (Ben Jones)" userId="e6e8a0f3-34fe-4d14-b7ab-3a9f1769fff2" providerId="ADAL" clId="{78C1D944-C5E2-4D33-BE3A-5C243E175D98}"/>
     <pc:docChg chg="undo custSel addSld modSld">
       <pc:chgData name="Ben Jones (Ben Jones)" userId="e6e8a0f3-34fe-4d14-b7ab-3a9f1769fff2" providerId="ADAL" clId="{78C1D944-C5E2-4D33-BE3A-5C243E175D98}" dt="2025-06-10T10:39:40.222" v="850" actId="20577"/>
@@ -1231,7 +1270,7 @@
           <a:p>
             <a:fld id="{1D30A4DD-26E1-4754-8784-A5449317D6AC}" type="datetimeFigureOut">
               <a:rPr lang="en-AU" smtClean="0"/>
-              <a:t>10/06/2025</a:t>
+              <a:t>11/06/2025</a:t>
             </a:fld>
             <a:endParaRPr lang="en-AU"/>
           </a:p>
@@ -1431,7 +1470,7 @@
           <a:p>
             <a:fld id="{1D30A4DD-26E1-4754-8784-A5449317D6AC}" type="datetimeFigureOut">
               <a:rPr lang="en-AU" smtClean="0"/>
-              <a:t>10/06/2025</a:t>
+              <a:t>11/06/2025</a:t>
             </a:fld>
             <a:endParaRPr lang="en-AU"/>
           </a:p>
@@ -1641,7 +1680,7 @@
           <a:p>
             <a:fld id="{1D30A4DD-26E1-4754-8784-A5449317D6AC}" type="datetimeFigureOut">
               <a:rPr lang="en-AU" smtClean="0"/>
-              <a:t>10/06/2025</a:t>
+              <a:t>11/06/2025</a:t>
             </a:fld>
             <a:endParaRPr lang="en-AU"/>
           </a:p>
@@ -1841,7 +1880,7 @@
           <a:p>
             <a:fld id="{1D30A4DD-26E1-4754-8784-A5449317D6AC}" type="datetimeFigureOut">
               <a:rPr lang="en-AU" smtClean="0"/>
-              <a:t>10/06/2025</a:t>
+              <a:t>11/06/2025</a:t>
             </a:fld>
             <a:endParaRPr lang="en-AU"/>
           </a:p>
@@ -2117,7 +2156,7 @@
           <a:p>
             <a:fld id="{1D30A4DD-26E1-4754-8784-A5449317D6AC}" type="datetimeFigureOut">
               <a:rPr lang="en-AU" smtClean="0"/>
-              <a:t>10/06/2025</a:t>
+              <a:t>11/06/2025</a:t>
             </a:fld>
             <a:endParaRPr lang="en-AU"/>
           </a:p>
@@ -2385,7 +2424,7 @@
           <a:p>
             <a:fld id="{1D30A4DD-26E1-4754-8784-A5449317D6AC}" type="datetimeFigureOut">
               <a:rPr lang="en-AU" smtClean="0"/>
-              <a:t>10/06/2025</a:t>
+              <a:t>11/06/2025</a:t>
             </a:fld>
             <a:endParaRPr lang="en-AU"/>
           </a:p>
@@ -2800,7 +2839,7 @@
           <a:p>
             <a:fld id="{1D30A4DD-26E1-4754-8784-A5449317D6AC}" type="datetimeFigureOut">
               <a:rPr lang="en-AU" smtClean="0"/>
-              <a:t>10/06/2025</a:t>
+              <a:t>11/06/2025</a:t>
             </a:fld>
             <a:endParaRPr lang="en-AU"/>
           </a:p>
@@ -2942,7 +2981,7 @@
           <a:p>
             <a:fld id="{1D30A4DD-26E1-4754-8784-A5449317D6AC}" type="datetimeFigureOut">
               <a:rPr lang="en-AU" smtClean="0"/>
-              <a:t>10/06/2025</a:t>
+              <a:t>11/06/2025</a:t>
             </a:fld>
             <a:endParaRPr lang="en-AU"/>
           </a:p>
@@ -3055,7 +3094,7 @@
           <a:p>
             <a:fld id="{1D30A4DD-26E1-4754-8784-A5449317D6AC}" type="datetimeFigureOut">
               <a:rPr lang="en-AU" smtClean="0"/>
-              <a:t>10/06/2025</a:t>
+              <a:t>11/06/2025</a:t>
             </a:fld>
             <a:endParaRPr lang="en-AU"/>
           </a:p>
@@ -3368,7 +3407,7 @@
           <a:p>
             <a:fld id="{1D30A4DD-26E1-4754-8784-A5449317D6AC}" type="datetimeFigureOut">
               <a:rPr lang="en-AU" smtClean="0"/>
-              <a:t>10/06/2025</a:t>
+              <a:t>11/06/2025</a:t>
             </a:fld>
             <a:endParaRPr lang="en-AU"/>
           </a:p>
@@ -3657,7 +3696,7 @@
           <a:p>
             <a:fld id="{1D30A4DD-26E1-4754-8784-A5449317D6AC}" type="datetimeFigureOut">
               <a:rPr lang="en-AU" smtClean="0"/>
-              <a:t>10/06/2025</a:t>
+              <a:t>11/06/2025</a:t>
             </a:fld>
             <a:endParaRPr lang="en-AU"/>
           </a:p>
@@ -3900,7 +3939,7 @@
           <a:p>
             <a:fld id="{1D30A4DD-26E1-4754-8784-A5449317D6AC}" type="datetimeFigureOut">
               <a:rPr lang="en-AU" smtClean="0"/>
-              <a:t>10/06/2025</a:t>
+              <a:t>11/06/2025</a:t>
             </a:fld>
             <a:endParaRPr lang="en-AU"/>
           </a:p>
@@ -4811,7 +4850,15 @@
           <a:p>
             <a:r>
               <a:rPr lang="en-US" dirty="0"/>
-              <a:t>Complete led light class</a:t>
+              <a:t>Complete and </a:t>
+            </a:r>
+            <a:r>
+              <a:rPr lang="en-US"/>
+              <a:t>Unit Test </a:t>
+            </a:r>
+            <a:r>
+              <a:rPr lang="en-US" dirty="0"/>
+              <a:t>led light class</a:t>
             </a:r>
           </a:p>
         </p:txBody>
@@ -5378,7 +5425,19 @@
           <a:p>
             <a:r>
               <a:rPr lang="en-US" dirty="0"/>
-              <a:t>Complete led light class</a:t>
+              <a:t>Complete &amp; Unit Test the </a:t>
+            </a:r>
+            <a:r>
+              <a:rPr lang="en-US" err="1"/>
+              <a:t>Led</a:t>
+            </a:r>
+            <a:r>
+              <a:rPr lang="en-US"/>
+              <a:t>_Light</a:t>
+            </a:r>
+            <a:r>
+              <a:rPr lang="en-US" dirty="0"/>
+              <a:t> class</a:t>
             </a:r>
             <a:endParaRPr lang="en-AU" dirty="0"/>
           </a:p>

--- a/tutorials/presentations/Lecture3.pptx
+++ b/tutorials/presentations/Lecture3.pptx
@@ -8,11 +8,9 @@
     <p:sldId id="256" r:id="rId2"/>
     <p:sldId id="257" r:id="rId3"/>
     <p:sldId id="258" r:id="rId4"/>
-    <p:sldId id="265" r:id="rId5"/>
-    <p:sldId id="266" r:id="rId6"/>
-    <p:sldId id="261" r:id="rId7"/>
-    <p:sldId id="263" r:id="rId8"/>
-    <p:sldId id="267" r:id="rId9"/>
+    <p:sldId id="261" r:id="rId5"/>
+    <p:sldId id="263" r:id="rId6"/>
+    <p:sldId id="267" r:id="rId7"/>
   </p:sldIdLst>
   <p:sldSz cx="12192000" cy="6858000"/>
   <p:notesSz cx="6858000" cy="9144000"/>
@@ -123,7 +121,6 @@
 <p1510:revInfo xmlns:a="http://schemas.openxmlformats.org/drawingml/2006/main" xmlns:r="http://schemas.openxmlformats.org/officeDocument/2006/relationships" xmlns:p1510="http://schemas.microsoft.com/office/powerpoint/2015/10/main">
   <p1510:revLst>
     <p1510:client id="{2A4F3FF4-B48F-4BF2-8996-C16EAC4E46EE}" v="11" dt="2025-06-10T11:18:53.831"/>
-    <p1510:client id="{78C1D944-C5E2-4D33-BE3A-5C243E175D98}" v="22" dt="2025-06-10T10:39:16.928"/>
     <p1510:client id="{B204C6DB-D499-4973-8E04-3A79F73ABFFA}" v="8" dt="2025-06-10T12:01:26.867"/>
   </p1510:revLst>
 </p1510:revInfo>
@@ -934,8 +931,8 @@
   </pc:docChgLst>
   <pc:docChgLst>
     <pc:chgData name="Ben Jones (Ben Jones)" userId="e6e8a0f3-34fe-4d14-b7ab-3a9f1769fff2" providerId="ADAL" clId="{B204C6DB-D499-4973-8E04-3A79F73ABFFA}"/>
-    <pc:docChg chg="undo custSel addSld modSld">
-      <pc:chgData name="Ben Jones (Ben Jones)" userId="e6e8a0f3-34fe-4d14-b7ab-3a9f1769fff2" providerId="ADAL" clId="{B204C6DB-D499-4973-8E04-3A79F73ABFFA}" dt="2025-06-10T12:01:58.119" v="224" actId="113"/>
+    <pc:docChg chg="undo custSel addSld delSld modSld">
+      <pc:chgData name="Ben Jones (Ben Jones)" userId="e6e8a0f3-34fe-4d14-b7ab-3a9f1769fff2" providerId="ADAL" clId="{B204C6DB-D499-4973-8E04-3A79F73ABFFA}" dt="2025-06-11T10:49:00.278" v="225" actId="2696"/>
       <pc:docMkLst>
         <pc:docMk/>
       </pc:docMkLst>
@@ -1023,8 +1020,8 @@
           </ac:spMkLst>
         </pc:spChg>
       </pc:sldChg>
-      <pc:sldChg chg="addSp delSp modSp mod modClrScheme chgLayout">
-        <pc:chgData name="Ben Jones (Ben Jones)" userId="e6e8a0f3-34fe-4d14-b7ab-3a9f1769fff2" providerId="ADAL" clId="{B204C6DB-D499-4973-8E04-3A79F73ABFFA}" dt="2025-06-10T11:46:13.333" v="34" actId="20577"/>
+      <pc:sldChg chg="addSp delSp modSp del mod modClrScheme chgLayout">
+        <pc:chgData name="Ben Jones (Ben Jones)" userId="e6e8a0f3-34fe-4d14-b7ab-3a9f1769fff2" providerId="ADAL" clId="{B204C6DB-D499-4973-8E04-3A79F73ABFFA}" dt="2025-06-11T10:49:00.278" v="225" actId="2696"/>
         <pc:sldMkLst>
           <pc:docMk/>
           <pc:sldMk cId="2546578239" sldId="265"/>
@@ -1062,8 +1059,8 @@
           </ac:picMkLst>
         </pc:picChg>
       </pc:sldChg>
-      <pc:sldChg chg="addSp delSp modSp mod">
-        <pc:chgData name="Ben Jones (Ben Jones)" userId="e6e8a0f3-34fe-4d14-b7ab-3a9f1769fff2" providerId="ADAL" clId="{B204C6DB-D499-4973-8E04-3A79F73ABFFA}" dt="2025-06-10T11:47:58.532" v="89" actId="113"/>
+      <pc:sldChg chg="addSp delSp modSp del mod">
+        <pc:chgData name="Ben Jones (Ben Jones)" userId="e6e8a0f3-34fe-4d14-b7ab-3a9f1769fff2" providerId="ADAL" clId="{B204C6DB-D499-4973-8E04-3A79F73ABFFA}" dt="2025-06-11T10:49:00.278" v="225" actId="2696"/>
         <pc:sldMkLst>
           <pc:docMk/>
           <pc:sldMk cId="2628338777" sldId="266"/>
@@ -4895,10 +4892,10 @@
       </p:grpSpPr>
       <p:sp>
         <p:nvSpPr>
-          <p:cNvPr id="2" name="Title 1">
-            <a:extLst>
-              <a:ext uri="{FF2B5EF4-FFF2-40B4-BE49-F238E27FC236}">
-                <a16:creationId xmlns:a16="http://schemas.microsoft.com/office/drawing/2014/main" id="{698432A2-2D2E-3F70-F830-5A67ED205318}"/>
+          <p:cNvPr id="5" name="Title 4">
+            <a:extLst>
+              <a:ext uri="{FF2B5EF4-FFF2-40B4-BE49-F238E27FC236}">
+                <a16:creationId xmlns:a16="http://schemas.microsoft.com/office/drawing/2014/main" id="{D486937B-AE08-CEA9-288B-A7E12B6EEC9E}"/>
               </a:ext>
             </a:extLst>
           </p:cNvPr>
@@ -4916,17 +4913,17 @@
           <a:p>
             <a:r>
               <a:rPr lang="en-AU" dirty="0"/>
-              <a:t>Encapsulation</a:t>
-            </a:r>
-          </a:p>
-        </p:txBody>
-      </p:sp>
-      <p:sp>
-        <p:nvSpPr>
-          <p:cNvPr id="4" name="Content Placeholder 3">
-            <a:extLst>
-              <a:ext uri="{FF2B5EF4-FFF2-40B4-BE49-F238E27FC236}">
-                <a16:creationId xmlns:a16="http://schemas.microsoft.com/office/drawing/2014/main" id="{E775B479-5750-95E9-CC66-C2F6F8180171}"/>
+              <a:t>Abstraction</a:t>
+            </a:r>
+          </a:p>
+        </p:txBody>
+      </p:sp>
+      <p:sp>
+        <p:nvSpPr>
+          <p:cNvPr id="2" name="Content Placeholder 1">
+            <a:extLst>
+              <a:ext uri="{FF2B5EF4-FFF2-40B4-BE49-F238E27FC236}">
+                <a16:creationId xmlns:a16="http://schemas.microsoft.com/office/drawing/2014/main" id="{4481EFF5-5670-D5D5-E8BD-822601FCA247}"/>
               </a:ext>
             </a:extLst>
           </p:cNvPr>
@@ -4939,7 +4936,9 @@
         </p:nvSpPr>
         <p:spPr/>
         <p:txBody>
-          <a:bodyPr/>
+          <a:bodyPr>
+            <a:normAutofit fontScale="77500" lnSpcReduction="20000"/>
+          </a:bodyPr>
           <a:lstStyle/>
           <a:p>
             <a:pPr marL="0" indent="0">
@@ -4947,7 +4946,7 @@
             </a:pPr>
             <a:r>
               <a:rPr lang="en-US" dirty="0"/>
-              <a:t>Encapsulation restricts direct access to some of an object's components (such as attributes or methods), meaning the internal representation of the object is hidden from the outside. This is typically achieved by making certain attributes or methods private (i.e., inaccessible from outside the class) and providing public methods (such as getters and setters) to access or modify those private members.</a:t>
+              <a:t>Abstraction in Object-Oriented Programming (OOP) is a principle that focuses on exposing only the essential features of an object while hiding the unnecessary details. The primary goal is to offer a simplified, high-level interface for interacting with complex systems, thereby making your code easier to use and understand.</a:t>
             </a:r>
           </a:p>
           <a:p>
@@ -4961,8 +4960,59 @@
               <a:buNone/>
             </a:pPr>
             <a:r>
+              <a:rPr lang="en-US" dirty="0"/>
+              <a:t>- What vs. How: Abstraction tells you what an object does, not how it does it.</a:t>
+            </a:r>
+          </a:p>
+          <a:p>
+            <a:pPr marL="0" indent="0">
+              <a:buNone/>
+            </a:pPr>
+            <a:r>
+              <a:rPr lang="en-US" dirty="0"/>
+              <a:t>- Simplification: It reduces complexity by hiding implementation details.</a:t>
+            </a:r>
+          </a:p>
+          <a:p>
+            <a:pPr marL="0" indent="0">
+              <a:buNone/>
+            </a:pPr>
+            <a:r>
+              <a:rPr lang="en-US" dirty="0"/>
+              <a:t>Interface: Abstraction is often achieved by hiding the complex implementation and providing only the interface methods or attributes.</a:t>
+            </a:r>
+          </a:p>
+          <a:p>
+            <a:pPr marL="0" indent="0">
+              <a:buNone/>
+            </a:pPr>
+            <a:endParaRPr lang="en-AU" dirty="0"/>
+          </a:p>
+          <a:p>
+            <a:pPr marL="0" indent="0">
+              <a:buNone/>
+            </a:pPr>
+            <a:r>
+              <a:rPr lang="en-US" dirty="0"/>
+              <a:t>Create: project\lib\led_light.py</a:t>
+            </a:r>
+          </a:p>
+          <a:p>
+            <a:pPr marL="0" indent="0">
+              <a:buNone/>
+            </a:pPr>
+            <a:r>
+              <a:rPr lang="en-US" dirty="0"/>
+              <a:t>Copy the Class to: project\lib\led_light.py</a:t>
+            </a:r>
+          </a:p>
+          <a:p>
+            <a:pPr marL="0" indent="0">
+              <a:buNone/>
+            </a:pPr>
+            <a:r>
               <a:rPr lang="en-US" b="1" dirty="0"/>
-              <a:t>Run: v08.py</a:t>
+              <a:t>Run: v10.py</a:t>
             </a:r>
             <a:endParaRPr lang="en-AU" b="1" dirty="0"/>
           </a:p>
@@ -4971,7 +5021,7 @@
     </p:spTree>
     <p:extLst>
       <p:ext uri="{BB962C8B-B14F-4D97-AF65-F5344CB8AC3E}">
-        <p14:creationId xmlns:p14="http://schemas.microsoft.com/office/powerpoint/2010/main" val="2546578239"/>
+        <p14:creationId xmlns:p14="http://schemas.microsoft.com/office/powerpoint/2010/main" val="3539071505"/>
       </p:ext>
     </p:extLst>
   </p:cSld>
@@ -5000,300 +5050,6 @@
       </p:grpSpPr>
       <p:sp>
         <p:nvSpPr>
-          <p:cNvPr id="5" name="Title 4">
-            <a:extLst>
-              <a:ext uri="{FF2B5EF4-FFF2-40B4-BE49-F238E27FC236}">
-                <a16:creationId xmlns:a16="http://schemas.microsoft.com/office/drawing/2014/main" id="{96EBD5BC-A418-B3D5-F3BE-15BADC7685D9}"/>
-              </a:ext>
-            </a:extLst>
-          </p:cNvPr>
-          <p:cNvSpPr>
-            <a:spLocks noGrp="1"/>
-          </p:cNvSpPr>
-          <p:nvPr>
-            <p:ph type="title"/>
-          </p:nvPr>
-        </p:nvSpPr>
-        <p:spPr/>
-        <p:txBody>
-          <a:bodyPr/>
-          <a:lstStyle/>
-          <a:p>
-            <a:r>
-              <a:rPr lang="en-AU" dirty="0"/>
-              <a:t>Setter &amp; Getters</a:t>
-            </a:r>
-          </a:p>
-        </p:txBody>
-      </p:sp>
-      <p:sp>
-        <p:nvSpPr>
-          <p:cNvPr id="3" name="Content Placeholder 2">
-            <a:extLst>
-              <a:ext uri="{FF2B5EF4-FFF2-40B4-BE49-F238E27FC236}">
-                <a16:creationId xmlns:a16="http://schemas.microsoft.com/office/drawing/2014/main" id="{D558FCB4-463D-4004-1C16-76D08CA2C42E}"/>
-              </a:ext>
-            </a:extLst>
-          </p:cNvPr>
-          <p:cNvSpPr>
-            <a:spLocks noGrp="1"/>
-          </p:cNvSpPr>
-          <p:nvPr>
-            <p:ph idx="1"/>
-          </p:nvPr>
-        </p:nvSpPr>
-        <p:spPr/>
-        <p:txBody>
-          <a:bodyPr>
-            <a:normAutofit fontScale="85000" lnSpcReduction="20000"/>
-          </a:bodyPr>
-          <a:lstStyle/>
-          <a:p>
-            <a:pPr marL="0" indent="0">
-              <a:buNone/>
-            </a:pPr>
-            <a:r>
-              <a:rPr lang="en-US" dirty="0"/>
-              <a:t>Setters and getters are special methods used in object-oriented programming to access (get) or modify (set) the values of private or protected attributes of a class. They help encapsulate the internal state of an object, providing controlled access.</a:t>
-            </a:r>
-          </a:p>
-          <a:p>
-            <a:pPr marL="0" indent="0">
-              <a:buNone/>
-            </a:pPr>
-            <a:endParaRPr lang="en-US" dirty="0"/>
-          </a:p>
-          <a:p>
-            <a:pPr marL="0" indent="0">
-              <a:buNone/>
-            </a:pPr>
-            <a:r>
-              <a:rPr lang="en-US" dirty="0"/>
-              <a:t>A getter is a method that retrieves (gets) the value of a private attribute. It allows you to read the value without providing direct access to the underlying variable.</a:t>
-            </a:r>
-          </a:p>
-          <a:p>
-            <a:pPr marL="0" indent="0">
-              <a:buNone/>
-            </a:pPr>
-            <a:endParaRPr lang="en-US" dirty="0"/>
-          </a:p>
-          <a:p>
-            <a:pPr marL="0" indent="0">
-              <a:buNone/>
-            </a:pPr>
-            <a:r>
-              <a:rPr lang="en-US" dirty="0"/>
-              <a:t>A setter is a method that sets (updates) the value of a private attribute. It allows you to validate or restrict changes before updating the attribute.</a:t>
-            </a:r>
-          </a:p>
-          <a:p>
-            <a:pPr marL="0" indent="0">
-              <a:buNone/>
-            </a:pPr>
-            <a:endParaRPr lang="en-AU" dirty="0"/>
-          </a:p>
-          <a:p>
-            <a:pPr marL="0" indent="0">
-              <a:buNone/>
-            </a:pPr>
-            <a:r>
-              <a:rPr lang="en-AU" b="1" dirty="0"/>
-              <a:t>Run: v09.py</a:t>
-            </a:r>
-          </a:p>
-        </p:txBody>
-      </p:sp>
-    </p:spTree>
-    <p:extLst>
-      <p:ext uri="{BB962C8B-B14F-4D97-AF65-F5344CB8AC3E}">
-        <p14:creationId xmlns:p14="http://schemas.microsoft.com/office/powerpoint/2010/main" val="2628338777"/>
-      </p:ext>
-    </p:extLst>
-  </p:cSld>
-  <p:clrMapOvr>
-    <a:masterClrMapping/>
-  </p:clrMapOvr>
-</p:sld>
-</file>
-
-<file path=ppt/slides/slide6.xml><?xml version="1.0" encoding="utf-8"?>
-<p:sld xmlns:a="http://schemas.openxmlformats.org/drawingml/2006/main" xmlns:r="http://schemas.openxmlformats.org/officeDocument/2006/relationships" xmlns:p="http://schemas.openxmlformats.org/presentationml/2006/main">
-  <p:cSld>
-    <p:spTree>
-      <p:nvGrpSpPr>
-        <p:cNvPr id="1" name=""/>
-        <p:cNvGrpSpPr/>
-        <p:nvPr/>
-      </p:nvGrpSpPr>
-      <p:grpSpPr>
-        <a:xfrm>
-          <a:off x="0" y="0"/>
-          <a:ext cx="0" cy="0"/>
-          <a:chOff x="0" y="0"/>
-          <a:chExt cx="0" cy="0"/>
-        </a:xfrm>
-      </p:grpSpPr>
-      <p:sp>
-        <p:nvSpPr>
-          <p:cNvPr id="5" name="Title 4">
-            <a:extLst>
-              <a:ext uri="{FF2B5EF4-FFF2-40B4-BE49-F238E27FC236}">
-                <a16:creationId xmlns:a16="http://schemas.microsoft.com/office/drawing/2014/main" id="{D486937B-AE08-CEA9-288B-A7E12B6EEC9E}"/>
-              </a:ext>
-            </a:extLst>
-          </p:cNvPr>
-          <p:cNvSpPr>
-            <a:spLocks noGrp="1"/>
-          </p:cNvSpPr>
-          <p:nvPr>
-            <p:ph type="title"/>
-          </p:nvPr>
-        </p:nvSpPr>
-        <p:spPr/>
-        <p:txBody>
-          <a:bodyPr/>
-          <a:lstStyle/>
-          <a:p>
-            <a:r>
-              <a:rPr lang="en-AU" dirty="0"/>
-              <a:t>Abstraction</a:t>
-            </a:r>
-          </a:p>
-        </p:txBody>
-      </p:sp>
-      <p:sp>
-        <p:nvSpPr>
-          <p:cNvPr id="2" name="Content Placeholder 1">
-            <a:extLst>
-              <a:ext uri="{FF2B5EF4-FFF2-40B4-BE49-F238E27FC236}">
-                <a16:creationId xmlns:a16="http://schemas.microsoft.com/office/drawing/2014/main" id="{4481EFF5-5670-D5D5-E8BD-822601FCA247}"/>
-              </a:ext>
-            </a:extLst>
-          </p:cNvPr>
-          <p:cNvSpPr>
-            <a:spLocks noGrp="1"/>
-          </p:cNvSpPr>
-          <p:nvPr>
-            <p:ph idx="1"/>
-          </p:nvPr>
-        </p:nvSpPr>
-        <p:spPr/>
-        <p:txBody>
-          <a:bodyPr>
-            <a:normAutofit fontScale="77500" lnSpcReduction="20000"/>
-          </a:bodyPr>
-          <a:lstStyle/>
-          <a:p>
-            <a:pPr marL="0" indent="0">
-              <a:buNone/>
-            </a:pPr>
-            <a:r>
-              <a:rPr lang="en-US" dirty="0"/>
-              <a:t>Abstraction in Object-Oriented Programming (OOP) is a principle that focuses on exposing only the essential features of an object while hiding the unnecessary details. The primary goal is to offer a simplified, high-level interface for interacting with complex systems, thereby making your code easier to use and understand.</a:t>
-            </a:r>
-          </a:p>
-          <a:p>
-            <a:pPr marL="0" indent="0">
-              <a:buNone/>
-            </a:pPr>
-            <a:endParaRPr lang="en-US" dirty="0"/>
-          </a:p>
-          <a:p>
-            <a:pPr marL="0" indent="0">
-              <a:buNone/>
-            </a:pPr>
-            <a:r>
-              <a:rPr lang="en-US" dirty="0"/>
-              <a:t>- What vs. How: Abstraction tells you what an object does, not how it does it.</a:t>
-            </a:r>
-          </a:p>
-          <a:p>
-            <a:pPr marL="0" indent="0">
-              <a:buNone/>
-            </a:pPr>
-            <a:r>
-              <a:rPr lang="en-US" dirty="0"/>
-              <a:t>- Simplification: It reduces complexity by hiding implementation details.</a:t>
-            </a:r>
-          </a:p>
-          <a:p>
-            <a:pPr marL="0" indent="0">
-              <a:buNone/>
-            </a:pPr>
-            <a:r>
-              <a:rPr lang="en-US" dirty="0"/>
-              <a:t>Interface: Abstraction is often achieved by hiding the complex implementation and providing only the interface methods or attributes.</a:t>
-            </a:r>
-          </a:p>
-          <a:p>
-            <a:pPr marL="0" indent="0">
-              <a:buNone/>
-            </a:pPr>
-            <a:endParaRPr lang="en-AU" dirty="0"/>
-          </a:p>
-          <a:p>
-            <a:pPr marL="0" indent="0">
-              <a:buNone/>
-            </a:pPr>
-            <a:r>
-              <a:rPr lang="en-US" dirty="0"/>
-              <a:t>Create: project\lib\led_light.py</a:t>
-            </a:r>
-          </a:p>
-          <a:p>
-            <a:pPr marL="0" indent="0">
-              <a:buNone/>
-            </a:pPr>
-            <a:r>
-              <a:rPr lang="en-US" dirty="0"/>
-              <a:t>Copy the Class to: project\lib\led_light.py</a:t>
-            </a:r>
-          </a:p>
-          <a:p>
-            <a:pPr marL="0" indent="0">
-              <a:buNone/>
-            </a:pPr>
-            <a:r>
-              <a:rPr lang="en-US" b="1" dirty="0"/>
-              <a:t>Run: v10.py</a:t>
-            </a:r>
-            <a:endParaRPr lang="en-AU" b="1" dirty="0"/>
-          </a:p>
-        </p:txBody>
-      </p:sp>
-    </p:spTree>
-    <p:extLst>
-      <p:ext uri="{BB962C8B-B14F-4D97-AF65-F5344CB8AC3E}">
-        <p14:creationId xmlns:p14="http://schemas.microsoft.com/office/powerpoint/2010/main" val="3539071505"/>
-      </p:ext>
-    </p:extLst>
-  </p:cSld>
-  <p:clrMapOvr>
-    <a:masterClrMapping/>
-  </p:clrMapOvr>
-</p:sld>
-</file>
-
-<file path=ppt/slides/slide7.xml><?xml version="1.0" encoding="utf-8"?>
-<p:sld xmlns:a="http://schemas.openxmlformats.org/drawingml/2006/main" xmlns:r="http://schemas.openxmlformats.org/officeDocument/2006/relationships" xmlns:p="http://schemas.openxmlformats.org/presentationml/2006/main">
-  <p:cSld>
-    <p:spTree>
-      <p:nvGrpSpPr>
-        <p:cNvPr id="1" name=""/>
-        <p:cNvGrpSpPr/>
-        <p:nvPr/>
-      </p:nvGrpSpPr>
-      <p:grpSpPr>
-        <a:xfrm>
-          <a:off x="0" y="0"/>
-          <a:ext cx="0" cy="0"/>
-          <a:chOff x="0" y="0"/>
-          <a:chExt cx="0" cy="0"/>
-        </a:xfrm>
-      </p:grpSpPr>
-      <p:sp>
-        <p:nvSpPr>
           <p:cNvPr id="7" name="Title 6">
             <a:extLst>
               <a:ext uri="{FF2B5EF4-FFF2-40B4-BE49-F238E27FC236}">
@@ -5385,7 +5141,7 @@
 </p:sld>
 </file>
 
-<file path=ppt/slides/slide8.xml><?xml version="1.0" encoding="utf-8"?>
+<file path=ppt/slides/slide6.xml><?xml version="1.0" encoding="utf-8"?>
 <p:sld xmlns:a="http://schemas.openxmlformats.org/drawingml/2006/main" xmlns:r="http://schemas.openxmlformats.org/officeDocument/2006/relationships" xmlns:p="http://schemas.openxmlformats.org/presentationml/2006/main">
   <p:cSld>
     <p:spTree>

--- a/tutorials/presentations/Lecture3.pptx
+++ b/tutorials/presentations/Lecture3.pptx
@@ -9,8 +9,12 @@
     <p:sldId id="257" r:id="rId3"/>
     <p:sldId id="258" r:id="rId4"/>
     <p:sldId id="261" r:id="rId5"/>
-    <p:sldId id="263" r:id="rId6"/>
-    <p:sldId id="267" r:id="rId7"/>
+    <p:sldId id="264" r:id="rId6"/>
+    <p:sldId id="277" r:id="rId7"/>
+    <p:sldId id="279" r:id="rId8"/>
+    <p:sldId id="280" r:id="rId9"/>
+    <p:sldId id="281" r:id="rId10"/>
+    <p:sldId id="267" r:id="rId11"/>
   </p:sldIdLst>
   <p:sldSz cx="12192000" cy="6858000"/>
   <p:notesSz cx="6858000" cy="9144000"/>
@@ -120,8 +124,7 @@
 <file path=ppt/revisionInfo.xml><?xml version="1.0" encoding="utf-8"?>
 <p1510:revInfo xmlns:a="http://schemas.openxmlformats.org/drawingml/2006/main" xmlns:r="http://schemas.openxmlformats.org/officeDocument/2006/relationships" xmlns:p1510="http://schemas.microsoft.com/office/powerpoint/2015/10/main">
   <p1510:revLst>
-    <p1510:client id="{2A4F3FF4-B48F-4BF2-8996-C16EAC4E46EE}" v="11" dt="2025-06-10T11:18:53.831"/>
-    <p1510:client id="{B204C6DB-D499-4973-8E04-3A79F73ABFFA}" v="8" dt="2025-06-10T12:01:26.867"/>
+    <p1510:client id="{B204C6DB-D499-4973-8E04-3A79F73ABFFA}" v="16" dt="2025-06-11T11:42:24.902"/>
   </p1510:revLst>
 </p1510:revInfo>
 </file>
@@ -932,7 +935,7 @@
   <pc:docChgLst>
     <pc:chgData name="Ben Jones (Ben Jones)" userId="e6e8a0f3-34fe-4d14-b7ab-3a9f1769fff2" providerId="ADAL" clId="{B204C6DB-D499-4973-8E04-3A79F73ABFFA}"/>
     <pc:docChg chg="undo custSel addSld delSld modSld">
-      <pc:chgData name="Ben Jones (Ben Jones)" userId="e6e8a0f3-34fe-4d14-b7ab-3a9f1769fff2" providerId="ADAL" clId="{B204C6DB-D499-4973-8E04-3A79F73ABFFA}" dt="2025-06-11T10:49:00.278" v="225" actId="2696"/>
+      <pc:chgData name="Ben Jones (Ben Jones)" userId="e6e8a0f3-34fe-4d14-b7ab-3a9f1769fff2" providerId="ADAL" clId="{B204C6DB-D499-4973-8E04-3A79F73ABFFA}" dt="2025-06-11T11:57:07.714" v="1048" actId="20577"/>
       <pc:docMkLst>
         <pc:docMk/>
       </pc:docMkLst>
@@ -952,13 +955,13 @@
         </pc:spChg>
       </pc:sldChg>
       <pc:sldChg chg="modSp mod">
-        <pc:chgData name="Ben Jones (Ben Jones)" userId="e6e8a0f3-34fe-4d14-b7ab-3a9f1769fff2" providerId="ADAL" clId="{B204C6DB-D499-4973-8E04-3A79F73ABFFA}" dt="2025-06-10T11:41:20.629" v="10" actId="6549"/>
+        <pc:chgData name="Ben Jones (Ben Jones)" userId="e6e8a0f3-34fe-4d14-b7ab-3a9f1769fff2" providerId="ADAL" clId="{B204C6DB-D499-4973-8E04-3A79F73ABFFA}" dt="2025-06-11T11:41:55.798" v="966" actId="20577"/>
         <pc:sldMkLst>
           <pc:docMk/>
           <pc:sldMk cId="3635014069" sldId="258"/>
         </pc:sldMkLst>
         <pc:spChg chg="mod">
-          <ac:chgData name="Ben Jones (Ben Jones)" userId="e6e8a0f3-34fe-4d14-b7ab-3a9f1769fff2" providerId="ADAL" clId="{B204C6DB-D499-4973-8E04-3A79F73ABFFA}" dt="2025-06-10T11:41:20.629" v="10" actId="6549"/>
+          <ac:chgData name="Ben Jones (Ben Jones)" userId="e6e8a0f3-34fe-4d14-b7ab-3a9f1769fff2" providerId="ADAL" clId="{B204C6DB-D499-4973-8E04-3A79F73ABFFA}" dt="2025-06-11T11:41:55.798" v="966" actId="20577"/>
           <ac:spMkLst>
             <pc:docMk/>
             <pc:sldMk cId="3635014069" sldId="258"/>
@@ -967,13 +970,13 @@
         </pc:spChg>
       </pc:sldChg>
       <pc:sldChg chg="addSp delSp modSp mod chgLayout">
-        <pc:chgData name="Ben Jones (Ben Jones)" userId="e6e8a0f3-34fe-4d14-b7ab-3a9f1769fff2" providerId="ADAL" clId="{B204C6DB-D499-4973-8E04-3A79F73ABFFA}" dt="2025-06-10T11:51:43.168" v="159" actId="113"/>
+        <pc:chgData name="Ben Jones (Ben Jones)" userId="e6e8a0f3-34fe-4d14-b7ab-3a9f1769fff2" providerId="ADAL" clId="{B204C6DB-D499-4973-8E04-3A79F73ABFFA}" dt="2025-06-11T11:32:24.009" v="303" actId="20577"/>
         <pc:sldMkLst>
           <pc:docMk/>
           <pc:sldMk cId="3539071505" sldId="261"/>
         </pc:sldMkLst>
         <pc:spChg chg="add mod ord">
-          <ac:chgData name="Ben Jones (Ben Jones)" userId="e6e8a0f3-34fe-4d14-b7ab-3a9f1769fff2" providerId="ADAL" clId="{B204C6DB-D499-4973-8E04-3A79F73ABFFA}" dt="2025-06-10T11:51:43.168" v="159" actId="113"/>
+          <ac:chgData name="Ben Jones (Ben Jones)" userId="e6e8a0f3-34fe-4d14-b7ab-3a9f1769fff2" providerId="ADAL" clId="{B204C6DB-D499-4973-8E04-3A79F73ABFFA}" dt="2025-06-11T11:32:24.009" v="303" actId="20577"/>
           <ac:spMkLst>
             <pc:docMk/>
             <pc:sldMk cId="3539071505" sldId="261"/>
@@ -997,8 +1000,8 @@
           </ac:spMkLst>
         </pc:spChg>
       </pc:sldChg>
-      <pc:sldChg chg="modSp mod">
-        <pc:chgData name="Ben Jones (Ben Jones)" userId="e6e8a0f3-34fe-4d14-b7ab-3a9f1769fff2" providerId="ADAL" clId="{B204C6DB-D499-4973-8E04-3A79F73ABFFA}" dt="2025-06-10T12:00:53.307" v="204" actId="20577"/>
+      <pc:sldChg chg="modSp del mod">
+        <pc:chgData name="Ben Jones (Ben Jones)" userId="e6e8a0f3-34fe-4d14-b7ab-3a9f1769fff2" providerId="ADAL" clId="{B204C6DB-D499-4973-8E04-3A79F73ABFFA}" dt="2025-06-11T11:38:46.312" v="491" actId="2696"/>
         <pc:sldMkLst>
           <pc:docMk/>
           <pc:sldMk cId="1175822862" sldId="263"/>
@@ -1019,6 +1022,45 @@
             <ac:spMk id="8" creationId="{A8D1847C-4AD3-1D2C-43B8-828394D9FF0E}"/>
           </ac:spMkLst>
         </pc:spChg>
+      </pc:sldChg>
+      <pc:sldChg chg="addSp delSp modSp add mod">
+        <pc:chgData name="Ben Jones (Ben Jones)" userId="e6e8a0f3-34fe-4d14-b7ab-3a9f1769fff2" providerId="ADAL" clId="{B204C6DB-D499-4973-8E04-3A79F73ABFFA}" dt="2025-06-11T11:33:19.543" v="381" actId="20577"/>
+        <pc:sldMkLst>
+          <pc:docMk/>
+          <pc:sldMk cId="549990195" sldId="264"/>
+        </pc:sldMkLst>
+        <pc:spChg chg="mod">
+          <ac:chgData name="Ben Jones (Ben Jones)" userId="e6e8a0f3-34fe-4d14-b7ab-3a9f1769fff2" providerId="ADAL" clId="{B204C6DB-D499-4973-8E04-3A79F73ABFFA}" dt="2025-06-11T11:31:42.606" v="246" actId="20577"/>
+          <ac:spMkLst>
+            <pc:docMk/>
+            <pc:sldMk cId="549990195" sldId="264"/>
+            <ac:spMk id="7" creationId="{A5E19FFB-3D8F-DB03-B38B-27FE43EC06C8}"/>
+          </ac:spMkLst>
+        </pc:spChg>
+        <pc:spChg chg="mod">
+          <ac:chgData name="Ben Jones (Ben Jones)" userId="e6e8a0f3-34fe-4d14-b7ab-3a9f1769fff2" providerId="ADAL" clId="{B204C6DB-D499-4973-8E04-3A79F73ABFFA}" dt="2025-06-11T11:33:19.543" v="381" actId="20577"/>
+          <ac:spMkLst>
+            <pc:docMk/>
+            <pc:sldMk cId="549990195" sldId="264"/>
+            <ac:spMk id="10" creationId="{400FA594-97CE-8BD3-D0B0-58075BCDEA2F}"/>
+          </ac:spMkLst>
+        </pc:spChg>
+        <pc:picChg chg="add mod">
+          <ac:chgData name="Ben Jones (Ben Jones)" userId="e6e8a0f3-34fe-4d14-b7ab-3a9f1769fff2" providerId="ADAL" clId="{B204C6DB-D499-4973-8E04-3A79F73ABFFA}" dt="2025-06-11T11:31:11.458" v="234" actId="1076"/>
+          <ac:picMkLst>
+            <pc:docMk/>
+            <pc:sldMk cId="549990195" sldId="264"/>
+            <ac:picMk id="3" creationId="{0A4946D7-D489-5D8A-F199-89C94DED1838}"/>
+          </ac:picMkLst>
+        </pc:picChg>
+        <pc:picChg chg="del">
+          <ac:chgData name="Ben Jones (Ben Jones)" userId="e6e8a0f3-34fe-4d14-b7ab-3a9f1769fff2" providerId="ADAL" clId="{B204C6DB-D499-4973-8E04-3A79F73ABFFA}" dt="2025-06-11T11:31:02.006" v="229" actId="478"/>
+          <ac:picMkLst>
+            <pc:docMk/>
+            <pc:sldMk cId="549990195" sldId="264"/>
+            <ac:picMk id="5" creationId="{476258C4-15AC-3707-D959-62E0CC627B50}"/>
+          </ac:picMkLst>
+        </pc:picChg>
       </pc:sldChg>
       <pc:sldChg chg="addSp delSp modSp del mod modClrScheme chgLayout">
         <pc:chgData name="Ben Jones (Ben Jones)" userId="e6e8a0f3-34fe-4d14-b7ab-3a9f1769fff2" providerId="ADAL" clId="{B204C6DB-D499-4973-8E04-3A79F73ABFFA}" dt="2025-06-11T10:49:00.278" v="225" actId="2696"/>
@@ -1091,13 +1133,13 @@
         </pc:spChg>
       </pc:sldChg>
       <pc:sldChg chg="modSp new mod">
-        <pc:chgData name="Ben Jones (Ben Jones)" userId="e6e8a0f3-34fe-4d14-b7ab-3a9f1769fff2" providerId="ADAL" clId="{B204C6DB-D499-4973-8E04-3A79F73ABFFA}" dt="2025-06-10T12:01:58.119" v="224" actId="113"/>
+        <pc:chgData name="Ben Jones (Ben Jones)" userId="e6e8a0f3-34fe-4d14-b7ab-3a9f1769fff2" providerId="ADAL" clId="{B204C6DB-D499-4973-8E04-3A79F73ABFFA}" dt="2025-06-11T11:57:07.714" v="1048" actId="20577"/>
         <pc:sldMkLst>
           <pc:docMk/>
           <pc:sldMk cId="525501252" sldId="267"/>
         </pc:sldMkLst>
         <pc:spChg chg="mod">
-          <ac:chgData name="Ben Jones (Ben Jones)" userId="e6e8a0f3-34fe-4d14-b7ab-3a9f1769fff2" providerId="ADAL" clId="{B204C6DB-D499-4973-8E04-3A79F73ABFFA}" dt="2025-06-10T12:01:08.694" v="207" actId="20577"/>
+          <ac:chgData name="Ben Jones (Ben Jones)" userId="e6e8a0f3-34fe-4d14-b7ab-3a9f1769fff2" providerId="ADAL" clId="{B204C6DB-D499-4973-8E04-3A79F73ABFFA}" dt="2025-06-11T11:43:45.421" v="1047" actId="6549"/>
           <ac:spMkLst>
             <pc:docMk/>
             <pc:sldMk cId="525501252" sldId="267"/>
@@ -1105,13 +1147,146 @@
           </ac:spMkLst>
         </pc:spChg>
         <pc:spChg chg="mod">
-          <ac:chgData name="Ben Jones (Ben Jones)" userId="e6e8a0f3-34fe-4d14-b7ab-3a9f1769fff2" providerId="ADAL" clId="{B204C6DB-D499-4973-8E04-3A79F73ABFFA}" dt="2025-06-10T12:01:58.119" v="224" actId="113"/>
+          <ac:chgData name="Ben Jones (Ben Jones)" userId="e6e8a0f3-34fe-4d14-b7ab-3a9f1769fff2" providerId="ADAL" clId="{B204C6DB-D499-4973-8E04-3A79F73ABFFA}" dt="2025-06-11T11:57:07.714" v="1048" actId="20577"/>
           <ac:spMkLst>
             <pc:docMk/>
             <pc:sldMk cId="525501252" sldId="267"/>
             <ac:spMk id="3" creationId="{55D2AEAE-B87B-B831-1DC0-2D5719D54B21}"/>
           </ac:spMkLst>
         </pc:spChg>
+      </pc:sldChg>
+      <pc:sldChg chg="new del">
+        <pc:chgData name="Ben Jones (Ben Jones)" userId="e6e8a0f3-34fe-4d14-b7ab-3a9f1769fff2" providerId="ADAL" clId="{B204C6DB-D499-4973-8E04-3A79F73ABFFA}" dt="2025-06-11T11:32:16.501" v="300" actId="2696"/>
+        <pc:sldMkLst>
+          <pc:docMk/>
+          <pc:sldMk cId="2169144447" sldId="268"/>
+        </pc:sldMkLst>
+      </pc:sldChg>
+      <pc:sldChg chg="new del">
+        <pc:chgData name="Ben Jones (Ben Jones)" userId="e6e8a0f3-34fe-4d14-b7ab-3a9f1769fff2" providerId="ADAL" clId="{B204C6DB-D499-4973-8E04-3A79F73ABFFA}" dt="2025-06-11T11:32:35.840" v="305" actId="2696"/>
+        <pc:sldMkLst>
+          <pc:docMk/>
+          <pc:sldMk cId="2175146618" sldId="268"/>
+        </pc:sldMkLst>
+      </pc:sldChg>
+      <pc:sldChg chg="add del">
+        <pc:chgData name="Ben Jones (Ben Jones)" userId="e6e8a0f3-34fe-4d14-b7ab-3a9f1769fff2" providerId="ADAL" clId="{B204C6DB-D499-4973-8E04-3A79F73ABFFA}" dt="2025-06-11T11:33:30.410" v="383"/>
+        <pc:sldMkLst>
+          <pc:docMk/>
+          <pc:sldMk cId="3160910607" sldId="268"/>
+        </pc:sldMkLst>
+      </pc:sldChg>
+      <pc:sldChg chg="new del">
+        <pc:chgData name="Ben Jones (Ben Jones)" userId="e6e8a0f3-34fe-4d14-b7ab-3a9f1769fff2" providerId="ADAL" clId="{B204C6DB-D499-4973-8E04-3A79F73ABFFA}" dt="2025-06-11T11:33:44.519" v="385" actId="47"/>
+        <pc:sldMkLst>
+          <pc:docMk/>
+          <pc:sldMk cId="3910445710" sldId="268"/>
+        </pc:sldMkLst>
+      </pc:sldChg>
+      <pc:sldChg chg="modSp add mod">
+        <pc:chgData name="Ben Jones (Ben Jones)" userId="e6e8a0f3-34fe-4d14-b7ab-3a9f1769fff2" providerId="ADAL" clId="{B204C6DB-D499-4973-8E04-3A79F73ABFFA}" dt="2025-06-11T11:34:37.806" v="421" actId="255"/>
+        <pc:sldMkLst>
+          <pc:docMk/>
+          <pc:sldMk cId="1200987726" sldId="277"/>
+        </pc:sldMkLst>
+        <pc:spChg chg="mod">
+          <ac:chgData name="Ben Jones (Ben Jones)" userId="e6e8a0f3-34fe-4d14-b7ab-3a9f1769fff2" providerId="ADAL" clId="{B204C6DB-D499-4973-8E04-3A79F73ABFFA}" dt="2025-06-11T11:34:00.734" v="417" actId="20577"/>
+          <ac:spMkLst>
+            <pc:docMk/>
+            <pc:sldMk cId="1200987726" sldId="277"/>
+            <ac:spMk id="2" creationId="{44375452-9F4E-B055-718A-F19667AF518D}"/>
+          </ac:spMkLst>
+        </pc:spChg>
+        <pc:spChg chg="mod">
+          <ac:chgData name="Ben Jones (Ben Jones)" userId="e6e8a0f3-34fe-4d14-b7ab-3a9f1769fff2" providerId="ADAL" clId="{B204C6DB-D499-4973-8E04-3A79F73ABFFA}" dt="2025-06-11T11:34:37.806" v="421" actId="255"/>
+          <ac:spMkLst>
+            <pc:docMk/>
+            <pc:sldMk cId="1200987726" sldId="277"/>
+            <ac:spMk id="3" creationId="{DD04821B-3CDE-B72D-FD94-23B33CD0F272}"/>
+          </ac:spMkLst>
+        </pc:spChg>
+      </pc:sldChg>
+      <pc:sldChg chg="new del">
+        <pc:chgData name="Ben Jones (Ben Jones)" userId="e6e8a0f3-34fe-4d14-b7ab-3a9f1769fff2" providerId="ADAL" clId="{B204C6DB-D499-4973-8E04-3A79F73ABFFA}" dt="2025-06-11T11:35:40.325" v="424" actId="47"/>
+        <pc:sldMkLst>
+          <pc:docMk/>
+          <pc:sldMk cId="2206813905" sldId="278"/>
+        </pc:sldMkLst>
+      </pc:sldChg>
+      <pc:sldChg chg="modSp add mod">
+        <pc:chgData name="Ben Jones (Ben Jones)" userId="e6e8a0f3-34fe-4d14-b7ab-3a9f1769fff2" providerId="ADAL" clId="{B204C6DB-D499-4973-8E04-3A79F73ABFFA}" dt="2025-06-11T11:37:02.757" v="428" actId="207"/>
+        <pc:sldMkLst>
+          <pc:docMk/>
+          <pc:sldMk cId="3677520736" sldId="279"/>
+        </pc:sldMkLst>
+        <pc:spChg chg="mod">
+          <ac:chgData name="Ben Jones (Ben Jones)" userId="e6e8a0f3-34fe-4d14-b7ab-3a9f1769fff2" providerId="ADAL" clId="{B204C6DB-D499-4973-8E04-3A79F73ABFFA}" dt="2025-06-11T11:37:02.757" v="428" actId="207"/>
+          <ac:spMkLst>
+            <pc:docMk/>
+            <pc:sldMk cId="3677520736" sldId="279"/>
+            <ac:spMk id="3" creationId="{DD04821B-3CDE-B72D-FD94-23B33CD0F272}"/>
+          </ac:spMkLst>
+        </pc:spChg>
+      </pc:sldChg>
+      <pc:sldChg chg="modSp add mod">
+        <pc:chgData name="Ben Jones (Ben Jones)" userId="e6e8a0f3-34fe-4d14-b7ab-3a9f1769fff2" providerId="ADAL" clId="{B204C6DB-D499-4973-8E04-3A79F73ABFFA}" dt="2025-06-11T11:38:38.123" v="490" actId="20577"/>
+        <pc:sldMkLst>
+          <pc:docMk/>
+          <pc:sldMk cId="578616549" sldId="280"/>
+        </pc:sldMkLst>
+        <pc:spChg chg="mod">
+          <ac:chgData name="Ben Jones (Ben Jones)" userId="e6e8a0f3-34fe-4d14-b7ab-3a9f1769fff2" providerId="ADAL" clId="{B204C6DB-D499-4973-8E04-3A79F73ABFFA}" dt="2025-06-11T11:38:38.123" v="490" actId="20577"/>
+          <ac:spMkLst>
+            <pc:docMk/>
+            <pc:sldMk cId="578616549" sldId="280"/>
+            <ac:spMk id="2" creationId="{F9FE0DCF-3041-CDCF-80AB-ED8FCDC760F2}"/>
+          </ac:spMkLst>
+        </pc:spChg>
+        <pc:spChg chg="mod">
+          <ac:chgData name="Ben Jones (Ben Jones)" userId="e6e8a0f3-34fe-4d14-b7ab-3a9f1769fff2" providerId="ADAL" clId="{B204C6DB-D499-4973-8E04-3A79F73ABFFA}" dt="2025-06-11T11:38:10.346" v="441" actId="255"/>
+          <ac:spMkLst>
+            <pc:docMk/>
+            <pc:sldMk cId="578616549" sldId="280"/>
+            <ac:spMk id="3" creationId="{80B035CA-EE87-9CA8-8176-1BB1833A59B1}"/>
+          </ac:spMkLst>
+        </pc:spChg>
+      </pc:sldChg>
+      <pc:sldChg chg="new del">
+        <pc:chgData name="Ben Jones (Ben Jones)" userId="e6e8a0f3-34fe-4d14-b7ab-3a9f1769fff2" providerId="ADAL" clId="{B204C6DB-D499-4973-8E04-3A79F73ABFFA}" dt="2025-06-11T11:42:13.934" v="968" actId="2696"/>
+        <pc:sldMkLst>
+          <pc:docMk/>
+          <pc:sldMk cId="630638452" sldId="281"/>
+        </pc:sldMkLst>
+      </pc:sldChg>
+      <pc:sldChg chg="modSp add mod">
+        <pc:chgData name="Ben Jones (Ben Jones)" userId="e6e8a0f3-34fe-4d14-b7ab-3a9f1769fff2" providerId="ADAL" clId="{B204C6DB-D499-4973-8E04-3A79F73ABFFA}" dt="2025-06-11T11:43:30.550" v="1046" actId="255"/>
+        <pc:sldMkLst>
+          <pc:docMk/>
+          <pc:sldMk cId="1316196699" sldId="281"/>
+        </pc:sldMkLst>
+        <pc:spChg chg="mod">
+          <ac:chgData name="Ben Jones (Ben Jones)" userId="e6e8a0f3-34fe-4d14-b7ab-3a9f1769fff2" providerId="ADAL" clId="{B204C6DB-D499-4973-8E04-3A79F73ABFFA}" dt="2025-06-11T11:42:49.704" v="1040" actId="20577"/>
+          <ac:spMkLst>
+            <pc:docMk/>
+            <pc:sldMk cId="1316196699" sldId="281"/>
+            <ac:spMk id="2" creationId="{09DFCA04-40AB-1DE0-594C-0D03D162C05F}"/>
+          </ac:spMkLst>
+        </pc:spChg>
+        <pc:spChg chg="mod">
+          <ac:chgData name="Ben Jones (Ben Jones)" userId="e6e8a0f3-34fe-4d14-b7ab-3a9f1769fff2" providerId="ADAL" clId="{B204C6DB-D499-4973-8E04-3A79F73ABFFA}" dt="2025-06-11T11:43:30.550" v="1046" actId="255"/>
+          <ac:spMkLst>
+            <pc:docMk/>
+            <pc:sldMk cId="1316196699" sldId="281"/>
+            <ac:spMk id="3" creationId="{102FF016-33CC-9E9D-4289-DAEF58DEB8BB}"/>
+          </ac:spMkLst>
+        </pc:spChg>
+      </pc:sldChg>
+      <pc:sldChg chg="new del">
+        <pc:chgData name="Ben Jones (Ben Jones)" userId="e6e8a0f3-34fe-4d14-b7ab-3a9f1769fff2" providerId="ADAL" clId="{B204C6DB-D499-4973-8E04-3A79F73ABFFA}" dt="2025-06-11T11:42:20.571" v="970" actId="680"/>
+        <pc:sldMkLst>
+          <pc:docMk/>
+          <pc:sldMk cId="2510481312" sldId="281"/>
+        </pc:sldMkLst>
       </pc:sldChg>
     </pc:docChg>
   </pc:docChgLst>
@@ -4434,6 +4609,153 @@
 </p:sld>
 </file>
 
+<file path=ppt/slides/slide10.xml><?xml version="1.0" encoding="utf-8"?>
+<p:sld xmlns:a="http://schemas.openxmlformats.org/drawingml/2006/main" xmlns:r="http://schemas.openxmlformats.org/officeDocument/2006/relationships" xmlns:p="http://schemas.openxmlformats.org/presentationml/2006/main">
+  <p:cSld>
+    <p:spTree>
+      <p:nvGrpSpPr>
+        <p:cNvPr id="1" name=""/>
+        <p:cNvGrpSpPr/>
+        <p:nvPr/>
+      </p:nvGrpSpPr>
+      <p:grpSpPr>
+        <a:xfrm>
+          <a:off x="0" y="0"/>
+          <a:ext cx="0" cy="0"/>
+          <a:chOff x="0" y="0"/>
+          <a:chExt cx="0" cy="0"/>
+        </a:xfrm>
+      </p:grpSpPr>
+      <p:sp>
+        <p:nvSpPr>
+          <p:cNvPr id="2" name="Title 1">
+            <a:extLst>
+              <a:ext uri="{FF2B5EF4-FFF2-40B4-BE49-F238E27FC236}">
+                <a16:creationId xmlns:a16="http://schemas.microsoft.com/office/drawing/2014/main" id="{4E39B84F-40E2-A933-0A0B-26AE4074B21B}"/>
+              </a:ext>
+            </a:extLst>
+          </p:cNvPr>
+          <p:cNvSpPr>
+            <a:spLocks noGrp="1"/>
+          </p:cNvSpPr>
+          <p:nvPr>
+            <p:ph type="title"/>
+          </p:nvPr>
+        </p:nvSpPr>
+        <p:spPr/>
+        <p:txBody>
+          <a:bodyPr/>
+          <a:lstStyle/>
+          <a:p>
+            <a:r>
+              <a:rPr lang="en-US"/>
+              <a:t>Unit </a:t>
+            </a:r>
+            <a:r>
+              <a:rPr lang="en-US" dirty="0"/>
+              <a:t>Test the </a:t>
+            </a:r>
+            <a:r>
+              <a:rPr lang="en-US" dirty="0" err="1"/>
+              <a:t>Led_Light</a:t>
+            </a:r>
+            <a:r>
+              <a:rPr lang="en-US" dirty="0"/>
+              <a:t> class</a:t>
+            </a:r>
+            <a:endParaRPr lang="en-AU" dirty="0"/>
+          </a:p>
+        </p:txBody>
+      </p:sp>
+      <p:sp>
+        <p:nvSpPr>
+          <p:cNvPr id="3" name="Content Placeholder 2">
+            <a:extLst>
+              <a:ext uri="{FF2B5EF4-FFF2-40B4-BE49-F238E27FC236}">
+                <a16:creationId xmlns:a16="http://schemas.microsoft.com/office/drawing/2014/main" id="{55D2AEAE-B87B-B831-1DC0-2D5719D54B21}"/>
+              </a:ext>
+            </a:extLst>
+          </p:cNvPr>
+          <p:cNvSpPr>
+            <a:spLocks noGrp="1"/>
+          </p:cNvSpPr>
+          <p:nvPr>
+            <p:ph idx="1"/>
+          </p:nvPr>
+        </p:nvSpPr>
+        <p:spPr/>
+        <p:txBody>
+          <a:bodyPr/>
+          <a:lstStyle/>
+          <a:p>
+            <a:pPr marL="0" indent="0">
+              <a:buNone/>
+            </a:pPr>
+            <a:r>
+              <a:rPr lang="en-AU" dirty="0">
+                <a:hlinkClick r:id="rId2"/>
+              </a:rPr>
+              <a:t>https://github.com/TempeHS/MicroPython_OOP_Pi_Pico_Mini_Project_Source/blob/main/tutorials/Lecture3.md#complete-led-light-class</a:t>
+            </a:r>
+            <a:endParaRPr lang="en-AU" dirty="0"/>
+          </a:p>
+          <a:p>
+            <a:pPr marL="0" indent="0">
+              <a:buNone/>
+            </a:pPr>
+            <a:endParaRPr lang="en-AU" dirty="0"/>
+          </a:p>
+          <a:p>
+            <a:pPr marL="0" indent="0">
+              <a:buNone/>
+            </a:pPr>
+            <a:r>
+              <a:rPr lang="en-AU" dirty="0"/>
+              <a:t>Your unit test should test all methods, where possible, using the </a:t>
+            </a:r>
+            <a:r>
+              <a:rPr lang="en-AU" dirty="0" err="1"/>
+              <a:t>self.value</a:t>
+            </a:r>
+            <a:r>
+              <a:rPr lang="en-AU" dirty="0"/>
+              <a:t>() method to automate the test if </a:t>
+            </a:r>
+            <a:r>
+              <a:rPr lang="en-AU"/>
+              <a:t>possible.</a:t>
+            </a:r>
+          </a:p>
+          <a:p>
+            <a:pPr marL="0" indent="0">
+              <a:buNone/>
+            </a:pPr>
+            <a:endParaRPr lang="en-AU" dirty="0"/>
+          </a:p>
+          <a:p>
+            <a:pPr marL="0" indent="0">
+              <a:buNone/>
+            </a:pPr>
+            <a:r>
+              <a:rPr lang="en-AU" dirty="0"/>
+              <a:t>Pause the video, design your unit test, then check your unit tests against my suggested batch of unit tests.</a:t>
+            </a:r>
+          </a:p>
+        </p:txBody>
+      </p:sp>
+    </p:spTree>
+    <p:extLst>
+      <p:ext uri="{BB962C8B-B14F-4D97-AF65-F5344CB8AC3E}">
+        <p14:creationId xmlns:p14="http://schemas.microsoft.com/office/powerpoint/2010/main" val="525501252"/>
+      </p:ext>
+    </p:extLst>
+  </p:cSld>
+  <p:clrMapOvr>
+    <a:masterClrMapping/>
+  </p:clrMapOvr>
+</p:sld>
+</file>
+
 <file path=ppt/slides/slide2.xml><?xml version="1.0" encoding="utf-8"?>
 <p:sld xmlns:a="http://schemas.openxmlformats.org/drawingml/2006/main" xmlns:r="http://schemas.openxmlformats.org/officeDocument/2006/relationships" xmlns:p="http://schemas.openxmlformats.org/presentationml/2006/main">
   <p:cSld>
@@ -4823,39 +5145,19 @@
           <a:p>
             <a:r>
               <a:rPr lang="en-US" dirty="0"/>
-              <a:t>Encapsulation</a:t>
+              <a:t>Abstraction</a:t>
             </a:r>
           </a:p>
           <a:p>
             <a:r>
               <a:rPr lang="en-US" dirty="0"/>
-              <a:t>Setters &amp; Getters</a:t>
+              <a:t>Implement a non blocking flash method</a:t>
             </a:r>
           </a:p>
           <a:p>
             <a:r>
               <a:rPr lang="en-US" dirty="0"/>
-              <a:t>Abstraction</a:t>
-            </a:r>
-          </a:p>
-          <a:p>
-            <a:r>
-              <a:rPr lang="en-US" dirty="0"/>
-              <a:t>Extend LED functionality</a:t>
-            </a:r>
-          </a:p>
-          <a:p>
-            <a:r>
-              <a:rPr lang="en-US" dirty="0"/>
-              <a:t>Complete and </a:t>
-            </a:r>
-            <a:r>
-              <a:rPr lang="en-US"/>
-              <a:t>Unit Test </a:t>
-            </a:r>
-            <a:r>
-              <a:rPr lang="en-US" dirty="0"/>
-              <a:t>led light class</a:t>
+              <a:t>Complete and Unit Test led light class</a:t>
             </a:r>
           </a:p>
         </p:txBody>
@@ -4937,7 +5239,7 @@
         <p:spPr/>
         <p:txBody>
           <a:bodyPr>
-            <a:normAutofit fontScale="77500" lnSpcReduction="20000"/>
+            <a:normAutofit fontScale="92500" lnSpcReduction="10000"/>
           </a:bodyPr>
           <a:lstStyle/>
           <a:p>
@@ -4981,40 +5283,6 @@
               <a:rPr lang="en-US" dirty="0"/>
               <a:t>Interface: Abstraction is often achieved by hiding the complex implementation and providing only the interface methods or attributes.</a:t>
             </a:r>
-          </a:p>
-          <a:p>
-            <a:pPr marL="0" indent="0">
-              <a:buNone/>
-            </a:pPr>
-            <a:endParaRPr lang="en-AU" dirty="0"/>
-          </a:p>
-          <a:p>
-            <a:pPr marL="0" indent="0">
-              <a:buNone/>
-            </a:pPr>
-            <a:r>
-              <a:rPr lang="en-US" dirty="0"/>
-              <a:t>Create: project\lib\led_light.py</a:t>
-            </a:r>
-          </a:p>
-          <a:p>
-            <a:pPr marL="0" indent="0">
-              <a:buNone/>
-            </a:pPr>
-            <a:r>
-              <a:rPr lang="en-US" dirty="0"/>
-              <a:t>Copy the Class to: project\lib\led_light.py</a:t>
-            </a:r>
-          </a:p>
-          <a:p>
-            <a:pPr marL="0" indent="0">
-              <a:buNone/>
-            </a:pPr>
-            <a:r>
-              <a:rPr lang="en-US" b="1" dirty="0"/>
-              <a:t>Run: v10.py</a:t>
-            </a:r>
-            <a:endParaRPr lang="en-AU" b="1" dirty="0"/>
           </a:p>
         </p:txBody>
       </p:sp>
@@ -5053,7 +5321,7 @@
           <p:cNvPr id="7" name="Title 6">
             <a:extLst>
               <a:ext uri="{FF2B5EF4-FFF2-40B4-BE49-F238E27FC236}">
-                <a16:creationId xmlns:a16="http://schemas.microsoft.com/office/drawing/2014/main" id="{56C6F239-F5E8-6417-880B-0B56CE59D207}"/>
+                <a16:creationId xmlns:a16="http://schemas.microsoft.com/office/drawing/2014/main" id="{A5E19FFB-3D8F-DB03-B38B-27FE43EC06C8}"/>
               </a:ext>
             </a:extLst>
           </p:cNvPr>
@@ -5071,7 +5339,7 @@
           <a:p>
             <a:r>
               <a:rPr lang="en-US" dirty="0"/>
-              <a:t>Extend LED Functionality</a:t>
+              <a:t>Create new files</a:t>
             </a:r>
             <a:endParaRPr lang="en-AU" dirty="0"/>
           </a:p>
@@ -5079,18 +5347,18 @@
       </p:sp>
       <p:sp>
         <p:nvSpPr>
-          <p:cNvPr id="8" name="Content Placeholder 7">
-            <a:extLst>
-              <a:ext uri="{FF2B5EF4-FFF2-40B4-BE49-F238E27FC236}">
-                <a16:creationId xmlns:a16="http://schemas.microsoft.com/office/drawing/2014/main" id="{A8D1847C-4AD3-1D2C-43B8-828394D9FF0E}"/>
-              </a:ext>
-            </a:extLst>
-          </p:cNvPr>
-          <p:cNvSpPr>
-            <a:spLocks noGrp="1"/>
-          </p:cNvSpPr>
-          <p:nvPr>
-            <p:ph idx="1"/>
+          <p:cNvPr id="10" name="Text Placeholder 9">
+            <a:extLst>
+              <a:ext uri="{FF2B5EF4-FFF2-40B4-BE49-F238E27FC236}">
+                <a16:creationId xmlns:a16="http://schemas.microsoft.com/office/drawing/2014/main" id="{400FA594-97CE-8BD3-D0B0-58075BCDEA2F}"/>
+              </a:ext>
+            </a:extLst>
+          </p:cNvPr>
+          <p:cNvSpPr>
+            <a:spLocks noGrp="1"/>
+          </p:cNvSpPr>
+          <p:nvPr>
+            <p:ph type="body" sz="half" idx="2"/>
           </p:nvPr>
         </p:nvSpPr>
         <p:spPr/>
@@ -5100,38 +5368,67 @@
           </a:bodyPr>
           <a:lstStyle/>
           <a:p>
-            <a:pPr marL="0" indent="0">
-              <a:buNone/>
-            </a:pPr>
-            <a:r>
-              <a:rPr lang="en-AU" dirty="0">
-                <a:hlinkClick r:id="rId2"/>
-              </a:rPr>
-              <a:t>https://github.com/TempeHS/MicroPython_OOP_Pi_Pico_Mini_Project_Source/blob/main/tutorials/Lecture3.md#extend-the-functionality-of-the-led_light-class</a:t>
-            </a:r>
-            <a:endParaRPr lang="en-AU" dirty="0"/>
-          </a:p>
-          <a:p>
-            <a:pPr marL="0" indent="0">
-              <a:buNone/>
-            </a:pPr>
-            <a:endParaRPr lang="en-AU" dirty="0"/>
-          </a:p>
-          <a:p>
-            <a:pPr marL="0" indent="0">
-              <a:buNone/>
-            </a:pPr>
-            <a:r>
-              <a:rPr lang="en-AU" b="1" dirty="0"/>
-              <a:t>Run v11.py</a:t>
-            </a:r>
-          </a:p>
-        </p:txBody>
-      </p:sp>
+            <a:r>
+              <a:rPr lang="en-US" dirty="0"/>
+              <a:t>v04.py in project\</a:t>
+            </a:r>
+            <a:r>
+              <a:rPr lang="en-US" dirty="0" err="1"/>
+              <a:t>py_scripts</a:t>
+            </a:r>
+            <a:r>
+              <a:rPr lang="en-US" dirty="0"/>
+              <a:t>\</a:t>
+            </a:r>
+          </a:p>
+          <a:p>
+            <a:r>
+              <a:rPr lang="en-US" dirty="0"/>
+              <a:t>led_light.py in project\lib\</a:t>
+            </a:r>
+          </a:p>
+          <a:p>
+            <a:r>
+              <a:rPr lang="en-US" dirty="0"/>
+              <a:t>Then copy the relevant imports and class to led_light.py</a:t>
+            </a:r>
+          </a:p>
+        </p:txBody>
+      </p:sp>
+      <p:pic>
+        <p:nvPicPr>
+          <p:cNvPr id="3" name="Picture 2">
+            <a:extLst>
+              <a:ext uri="{FF2B5EF4-FFF2-40B4-BE49-F238E27FC236}">
+                <a16:creationId xmlns:a16="http://schemas.microsoft.com/office/drawing/2014/main" id="{0A4946D7-D489-5D8A-F199-89C94DED1838}"/>
+              </a:ext>
+            </a:extLst>
+          </p:cNvPr>
+          <p:cNvPicPr>
+            <a:picLocks noChangeAspect="1"/>
+          </p:cNvPicPr>
+          <p:nvPr/>
+        </p:nvPicPr>
+        <p:blipFill>
+          <a:blip r:embed="rId2"/>
+          <a:stretch>
+            <a:fillRect/>
+          </a:stretch>
+        </p:blipFill>
+        <p:spPr>
+          <a:xfrm>
+            <a:off x="5846906" y="783235"/>
+            <a:ext cx="5419808" cy="5291530"/>
+          </a:xfrm>
+          <a:prstGeom prst="rect">
+            <a:avLst/>
+          </a:prstGeom>
+        </p:spPr>
+      </p:pic>
     </p:spTree>
     <p:extLst>
       <p:ext uri="{BB962C8B-B14F-4D97-AF65-F5344CB8AC3E}">
-        <p14:creationId xmlns:p14="http://schemas.microsoft.com/office/powerpoint/2010/main" val="1175822862"/>
+        <p14:creationId xmlns:p14="http://schemas.microsoft.com/office/powerpoint/2010/main" val="549990195"/>
       </p:ext>
     </p:extLst>
   </p:cSld>
@@ -5163,7 +5460,7 @@
           <p:cNvPr id="2" name="Title 1">
             <a:extLst>
               <a:ext uri="{FF2B5EF4-FFF2-40B4-BE49-F238E27FC236}">
-                <a16:creationId xmlns:a16="http://schemas.microsoft.com/office/drawing/2014/main" id="{4E39B84F-40E2-A933-0A0B-26AE4074B21B}"/>
+                <a16:creationId xmlns:a16="http://schemas.microsoft.com/office/drawing/2014/main" id="{44375452-9F4E-B055-718A-F19667AF518D}"/>
               </a:ext>
             </a:extLst>
           </p:cNvPr>
@@ -5180,22 +5477,9 @@
           <a:lstStyle/>
           <a:p>
             <a:r>
-              <a:rPr lang="en-US" dirty="0"/>
-              <a:t>Complete &amp; Unit Test the </a:t>
-            </a:r>
-            <a:r>
-              <a:rPr lang="en-US" err="1"/>
-              <a:t>Led</a:t>
-            </a:r>
-            <a:r>
-              <a:rPr lang="en-US"/>
-              <a:t>_Light</a:t>
-            </a:r>
-            <a:r>
-              <a:rPr lang="en-US" dirty="0"/>
-              <a:t> class</a:t>
-            </a:r>
-            <a:endParaRPr lang="en-AU" dirty="0"/>
+              <a:rPr lang="en-AU" dirty="0"/>
+              <a:t>Test the abstraction</a:t>
+            </a:r>
           </a:p>
         </p:txBody>
       </p:sp>
@@ -5204,7 +5488,7 @@
           <p:cNvPr id="3" name="Content Placeholder 2">
             <a:extLst>
               <a:ext uri="{FF2B5EF4-FFF2-40B4-BE49-F238E27FC236}">
-                <a16:creationId xmlns:a16="http://schemas.microsoft.com/office/drawing/2014/main" id="{55D2AEAE-B87B-B831-1DC0-2D5719D54B21}"/>
+                <a16:creationId xmlns:a16="http://schemas.microsoft.com/office/drawing/2014/main" id="{DD04821B-3CDE-B72D-FD94-23B33CD0F272}"/>
               </a:ext>
             </a:extLst>
           </p:cNvPr>
@@ -5217,33 +5501,221 @@
         </p:nvSpPr>
         <p:spPr/>
         <p:txBody>
-          <a:bodyPr/>
+          <a:bodyPr>
+            <a:normAutofit fontScale="92500" lnSpcReduction="20000"/>
+          </a:bodyPr>
           <a:lstStyle/>
           <a:p>
             <a:pPr marL="0" indent="0">
               <a:buNone/>
             </a:pPr>
             <a:r>
-              <a:rPr lang="en-AU" dirty="0">
-                <a:hlinkClick r:id="rId2"/>
+              <a:rPr lang="en-AU" sz="2400" dirty="0">
+                <a:latin typeface="Consolas" panose="020B0609020204030204" pitchFamily="49" charset="0"/>
               </a:rPr>
-              <a:t>https://github.com/TempeHS/MicroPython_OOP_Pi_Pico_Mini_Project_Source/blob/main/tutorials/Lecture3.md#complete-led-light-class</a:t>
-            </a:r>
-            <a:endParaRPr lang="en-AU" dirty="0"/>
+              <a:t>from </a:t>
+            </a:r>
+            <a:r>
+              <a:rPr lang="en-AU" sz="2400" dirty="0" err="1">
+                <a:latin typeface="Consolas" panose="020B0609020204030204" pitchFamily="49" charset="0"/>
+              </a:rPr>
+              <a:t>project.py_scripts.LL_unit_Test</a:t>
+            </a:r>
+            <a:r>
+              <a:rPr lang="en-AU" sz="2400" dirty="0">
+                <a:latin typeface="Consolas" panose="020B0609020204030204" pitchFamily="49" charset="0"/>
+              </a:rPr>
+              <a:t> import </a:t>
+            </a:r>
+            <a:r>
+              <a:rPr lang="en-AU" sz="2400" dirty="0" err="1">
+                <a:latin typeface="Consolas" panose="020B0609020204030204" pitchFamily="49" charset="0"/>
+              </a:rPr>
+              <a:t>Led_Light</a:t>
+            </a:r>
+            <a:endParaRPr lang="en-AU" sz="2400" dirty="0">
+              <a:latin typeface="Consolas" panose="020B0609020204030204" pitchFamily="49" charset="0"/>
+            </a:endParaRPr>
           </a:p>
           <a:p>
             <a:pPr marL="0" indent="0">
               <a:buNone/>
             </a:pPr>
-            <a:endParaRPr lang="en-AU" dirty="0"/>
+            <a:r>
+              <a:rPr lang="en-AU" sz="2400" dirty="0">
+                <a:latin typeface="Consolas" panose="020B0609020204030204" pitchFamily="49" charset="0"/>
+              </a:rPr>
+              <a:t>from time import sleep</a:t>
+            </a:r>
           </a:p>
           <a:p>
             <a:pPr marL="0" indent="0">
               <a:buNone/>
             </a:pPr>
-            <a:r>
-              <a:rPr lang="en-AU" b="1" dirty="0"/>
-              <a:t>Run: v12.py</a:t>
+            <a:endParaRPr lang="en-AU" sz="2400" dirty="0">
+              <a:latin typeface="Consolas" panose="020B0609020204030204" pitchFamily="49" charset="0"/>
+            </a:endParaRPr>
+          </a:p>
+          <a:p>
+            <a:pPr marL="0" indent="0">
+              <a:buNone/>
+            </a:pPr>
+            <a:r>
+              <a:rPr lang="en-AU" sz="2400" dirty="0" err="1">
+                <a:latin typeface="Consolas" panose="020B0609020204030204" pitchFamily="49" charset="0"/>
+              </a:rPr>
+              <a:t>red_light</a:t>
+            </a:r>
+            <a:r>
+              <a:rPr lang="en-AU" sz="2400" dirty="0">
+                <a:latin typeface="Consolas" panose="020B0609020204030204" pitchFamily="49" charset="0"/>
+              </a:rPr>
+              <a:t> = </a:t>
+            </a:r>
+            <a:r>
+              <a:rPr lang="en-AU" sz="2400" dirty="0" err="1">
+                <a:latin typeface="Consolas" panose="020B0609020204030204" pitchFamily="49" charset="0"/>
+              </a:rPr>
+              <a:t>Led_Light</a:t>
+            </a:r>
+            <a:r>
+              <a:rPr lang="en-AU" sz="2400" dirty="0">
+                <a:latin typeface="Consolas" panose="020B0609020204030204" pitchFamily="49" charset="0"/>
+              </a:rPr>
+              <a:t>(3, True, True)</a:t>
+            </a:r>
+          </a:p>
+          <a:p>
+            <a:pPr marL="0" indent="0">
+              <a:buNone/>
+            </a:pPr>
+            <a:endParaRPr lang="en-AU" sz="2400" dirty="0">
+              <a:latin typeface="Consolas" panose="020B0609020204030204" pitchFamily="49" charset="0"/>
+            </a:endParaRPr>
+          </a:p>
+          <a:p>
+            <a:pPr marL="0" indent="0">
+              <a:buNone/>
+            </a:pPr>
+            <a:r>
+              <a:rPr lang="en-AU" sz="2400" dirty="0">
+                <a:latin typeface="Consolas" panose="020B0609020204030204" pitchFamily="49" charset="0"/>
+              </a:rPr>
+              <a:t>while True:</a:t>
+            </a:r>
+          </a:p>
+          <a:p>
+            <a:pPr marL="0" indent="0">
+              <a:buNone/>
+            </a:pPr>
+            <a:r>
+              <a:rPr lang="en-AU" sz="2400" dirty="0">
+                <a:latin typeface="Consolas" panose="020B0609020204030204" pitchFamily="49" charset="0"/>
+              </a:rPr>
+              <a:t>    print(</a:t>
+            </a:r>
+            <a:r>
+              <a:rPr lang="en-AU" sz="2400" dirty="0" err="1">
+                <a:latin typeface="Consolas" panose="020B0609020204030204" pitchFamily="49" charset="0"/>
+              </a:rPr>
+              <a:t>red_light.led_light_state</a:t>
+            </a:r>
+            <a:r>
+              <a:rPr lang="en-AU" sz="2400" dirty="0">
+                <a:latin typeface="Consolas" panose="020B0609020204030204" pitchFamily="49" charset="0"/>
+              </a:rPr>
+              <a:t>)</a:t>
+            </a:r>
+          </a:p>
+          <a:p>
+            <a:pPr marL="0" indent="0">
+              <a:buNone/>
+            </a:pPr>
+            <a:r>
+              <a:rPr lang="en-AU" sz="2400" dirty="0">
+                <a:latin typeface="Consolas" panose="020B0609020204030204" pitchFamily="49" charset="0"/>
+              </a:rPr>
+              <a:t>    </a:t>
+            </a:r>
+            <a:r>
+              <a:rPr lang="en-AU" sz="2400" dirty="0" err="1">
+                <a:latin typeface="Consolas" panose="020B0609020204030204" pitchFamily="49" charset="0"/>
+              </a:rPr>
+              <a:t>red_light.led_light_state</a:t>
+            </a:r>
+            <a:r>
+              <a:rPr lang="en-AU" sz="2400" dirty="0">
+                <a:latin typeface="Consolas" panose="020B0609020204030204" pitchFamily="49" charset="0"/>
+              </a:rPr>
+              <a:t> = 1</a:t>
+            </a:r>
+          </a:p>
+          <a:p>
+            <a:pPr marL="0" indent="0">
+              <a:buNone/>
+            </a:pPr>
+            <a:r>
+              <a:rPr lang="en-AU" sz="2400" dirty="0">
+                <a:latin typeface="Consolas" panose="020B0609020204030204" pitchFamily="49" charset="0"/>
+              </a:rPr>
+              <a:t>    sleep(0.25)</a:t>
+            </a:r>
+          </a:p>
+          <a:p>
+            <a:pPr marL="0" indent="0">
+              <a:buNone/>
+            </a:pPr>
+            <a:r>
+              <a:rPr lang="en-AU" sz="2400" dirty="0">
+                <a:latin typeface="Consolas" panose="020B0609020204030204" pitchFamily="49" charset="0"/>
+              </a:rPr>
+              <a:t>    print(</a:t>
+            </a:r>
+            <a:r>
+              <a:rPr lang="en-AU" sz="2400" dirty="0" err="1">
+                <a:latin typeface="Consolas" panose="020B0609020204030204" pitchFamily="49" charset="0"/>
+              </a:rPr>
+              <a:t>red_light.led_light_state</a:t>
+            </a:r>
+            <a:r>
+              <a:rPr lang="en-AU" sz="2400" dirty="0">
+                <a:latin typeface="Consolas" panose="020B0609020204030204" pitchFamily="49" charset="0"/>
+              </a:rPr>
+              <a:t>)</a:t>
+            </a:r>
+          </a:p>
+          <a:p>
+            <a:pPr marL="0" indent="0">
+              <a:buNone/>
+            </a:pPr>
+            <a:r>
+              <a:rPr lang="en-AU" sz="2400" dirty="0">
+                <a:latin typeface="Consolas" panose="020B0609020204030204" pitchFamily="49" charset="0"/>
+              </a:rPr>
+              <a:t>    </a:t>
+            </a:r>
+            <a:r>
+              <a:rPr lang="en-AU" sz="2400" dirty="0" err="1">
+                <a:latin typeface="Consolas" panose="020B0609020204030204" pitchFamily="49" charset="0"/>
+              </a:rPr>
+              <a:t>red_light.led_light_state</a:t>
+            </a:r>
+            <a:r>
+              <a:rPr lang="en-AU" sz="2400" dirty="0">
+                <a:latin typeface="Consolas" panose="020B0609020204030204" pitchFamily="49" charset="0"/>
+              </a:rPr>
+              <a:t> = 0</a:t>
+            </a:r>
+          </a:p>
+          <a:p>
+            <a:pPr marL="0" indent="0">
+              <a:buNone/>
+            </a:pPr>
+            <a:r>
+              <a:rPr lang="en-AU" sz="2400" dirty="0">
+                <a:latin typeface="Consolas" panose="020B0609020204030204" pitchFamily="49" charset="0"/>
+              </a:rPr>
+              <a:t>    sleep(0.25)</a:t>
             </a:r>
           </a:p>
         </p:txBody>
@@ -5251,7 +5723,658 @@
     </p:spTree>
     <p:extLst>
       <p:ext uri="{BB962C8B-B14F-4D97-AF65-F5344CB8AC3E}">
-        <p14:creationId xmlns:p14="http://schemas.microsoft.com/office/powerpoint/2010/main" val="525501252"/>
+        <p14:creationId xmlns:p14="http://schemas.microsoft.com/office/powerpoint/2010/main" val="1200987726"/>
+      </p:ext>
+    </p:extLst>
+  </p:cSld>
+  <p:clrMapOvr>
+    <a:masterClrMapping/>
+  </p:clrMapOvr>
+</p:sld>
+</file>
+
+<file path=ppt/slides/slide7.xml><?xml version="1.0" encoding="utf-8"?>
+<p:sld xmlns:a="http://schemas.openxmlformats.org/drawingml/2006/main" xmlns:r="http://schemas.openxmlformats.org/officeDocument/2006/relationships" xmlns:p="http://schemas.openxmlformats.org/presentationml/2006/main">
+  <p:cSld>
+    <p:spTree>
+      <p:nvGrpSpPr>
+        <p:cNvPr id="1" name=""/>
+        <p:cNvGrpSpPr/>
+        <p:nvPr/>
+      </p:nvGrpSpPr>
+      <p:grpSpPr>
+        <a:xfrm>
+          <a:off x="0" y="0"/>
+          <a:ext cx="0" cy="0"/>
+          <a:chOff x="0" y="0"/>
+          <a:chExt cx="0" cy="0"/>
+        </a:xfrm>
+      </p:grpSpPr>
+      <p:sp>
+        <p:nvSpPr>
+          <p:cNvPr id="2" name="Title 1">
+            <a:extLst>
+              <a:ext uri="{FF2B5EF4-FFF2-40B4-BE49-F238E27FC236}">
+                <a16:creationId xmlns:a16="http://schemas.microsoft.com/office/drawing/2014/main" id="{44375452-9F4E-B055-718A-F19667AF518D}"/>
+              </a:ext>
+            </a:extLst>
+          </p:cNvPr>
+          <p:cNvSpPr>
+            <a:spLocks noGrp="1"/>
+          </p:cNvSpPr>
+          <p:nvPr>
+            <p:ph type="title"/>
+          </p:nvPr>
+        </p:nvSpPr>
+        <p:spPr/>
+        <p:txBody>
+          <a:bodyPr/>
+          <a:lstStyle/>
+          <a:p>
+            <a:r>
+              <a:rPr lang="en-AU" dirty="0"/>
+              <a:t>Add a </a:t>
+            </a:r>
+            <a:r>
+              <a:rPr lang="en-AU" dirty="0" err="1"/>
+              <a:t>led_light_state</a:t>
+            </a:r>
+            <a:r>
+              <a:rPr lang="en-AU" dirty="0"/>
+              <a:t> attribute </a:t>
+            </a:r>
+          </a:p>
+        </p:txBody>
+      </p:sp>
+      <p:sp>
+        <p:nvSpPr>
+          <p:cNvPr id="3" name="Content Placeholder 2">
+            <a:extLst>
+              <a:ext uri="{FF2B5EF4-FFF2-40B4-BE49-F238E27FC236}">
+                <a16:creationId xmlns:a16="http://schemas.microsoft.com/office/drawing/2014/main" id="{DD04821B-3CDE-B72D-FD94-23B33CD0F272}"/>
+              </a:ext>
+            </a:extLst>
+          </p:cNvPr>
+          <p:cNvSpPr>
+            <a:spLocks noGrp="1"/>
+          </p:cNvSpPr>
+          <p:nvPr>
+            <p:ph idx="1"/>
+          </p:nvPr>
+        </p:nvSpPr>
+        <p:spPr/>
+        <p:txBody>
+          <a:bodyPr>
+            <a:normAutofit/>
+          </a:bodyPr>
+          <a:lstStyle/>
+          <a:p>
+            <a:pPr marL="0" indent="0">
+              <a:buNone/>
+            </a:pPr>
+            <a:r>
+              <a:rPr lang="en-AU" sz="2400" dirty="0">
+                <a:latin typeface="Consolas" panose="020B0609020204030204" pitchFamily="49" charset="0"/>
+              </a:rPr>
+              <a:t>class </a:t>
+            </a:r>
+            <a:r>
+              <a:rPr lang="en-AU" sz="2400" dirty="0" err="1">
+                <a:latin typeface="Consolas" panose="020B0609020204030204" pitchFamily="49" charset="0"/>
+              </a:rPr>
+              <a:t>Led_Light</a:t>
+            </a:r>
+            <a:r>
+              <a:rPr lang="en-AU" sz="2400" dirty="0">
+                <a:latin typeface="Consolas" panose="020B0609020204030204" pitchFamily="49" charset="0"/>
+              </a:rPr>
+              <a:t>(Pin):</a:t>
+            </a:r>
+          </a:p>
+          <a:p>
+            <a:pPr marL="0" indent="0">
+              <a:buNone/>
+            </a:pPr>
+            <a:r>
+              <a:rPr lang="en-AU" sz="2400" dirty="0">
+                <a:latin typeface="Consolas" panose="020B0609020204030204" pitchFamily="49" charset="0"/>
+              </a:rPr>
+              <a:t># child class inherits the parent 'Pin' class</a:t>
+            </a:r>
+          </a:p>
+          <a:p>
+            <a:pPr marL="457200" lvl="1" indent="0">
+              <a:buNone/>
+            </a:pPr>
+            <a:r>
+              <a:rPr lang="en-AU" dirty="0">
+                <a:latin typeface="Consolas" panose="020B0609020204030204" pitchFamily="49" charset="0"/>
+              </a:rPr>
+              <a:t>def __</a:t>
+            </a:r>
+            <a:r>
+              <a:rPr lang="en-AU" dirty="0" err="1">
+                <a:latin typeface="Consolas" panose="020B0609020204030204" pitchFamily="49" charset="0"/>
+              </a:rPr>
+              <a:t>init</a:t>
+            </a:r>
+            <a:r>
+              <a:rPr lang="en-AU" dirty="0">
+                <a:latin typeface="Consolas" panose="020B0609020204030204" pitchFamily="49" charset="0"/>
+              </a:rPr>
+              <a:t>__(self, pin, flashing=False, debug=False):</a:t>
+            </a:r>
+          </a:p>
+          <a:p>
+            <a:pPr marL="914400" lvl="2" indent="0">
+              <a:buNone/>
+            </a:pPr>
+            <a:r>
+              <a:rPr lang="en-AU" sz="2400" dirty="0">
+                <a:latin typeface="Consolas" panose="020B0609020204030204" pitchFamily="49" charset="0"/>
+              </a:rPr>
+              <a:t>super().__</a:t>
+            </a:r>
+            <a:r>
+              <a:rPr lang="en-AU" sz="2400" dirty="0" err="1">
+                <a:latin typeface="Consolas" panose="020B0609020204030204" pitchFamily="49" charset="0"/>
+              </a:rPr>
+              <a:t>init</a:t>
+            </a:r>
+            <a:r>
+              <a:rPr lang="en-AU" sz="2400" dirty="0">
+                <a:latin typeface="Consolas" panose="020B0609020204030204" pitchFamily="49" charset="0"/>
+              </a:rPr>
+              <a:t>__(pin, </a:t>
+            </a:r>
+            <a:r>
+              <a:rPr lang="en-AU" sz="2400" dirty="0" err="1">
+                <a:latin typeface="Consolas" panose="020B0609020204030204" pitchFamily="49" charset="0"/>
+              </a:rPr>
+              <a:t>Pin.OUT</a:t>
+            </a:r>
+            <a:r>
+              <a:rPr lang="en-AU" sz="2400" dirty="0">
+                <a:latin typeface="Consolas" panose="020B0609020204030204" pitchFamily="49" charset="0"/>
+              </a:rPr>
+              <a:t>)</a:t>
+            </a:r>
+          </a:p>
+          <a:p>
+            <a:pPr marL="914400" lvl="2" indent="0">
+              <a:buNone/>
+            </a:pPr>
+            <a:r>
+              <a:rPr lang="en-AU" sz="2400" dirty="0" err="1">
+                <a:latin typeface="Consolas" panose="020B0609020204030204" pitchFamily="49" charset="0"/>
+              </a:rPr>
+              <a:t>self.led_light_state</a:t>
+            </a:r>
+            <a:endParaRPr lang="en-AU" sz="2400" dirty="0">
+              <a:latin typeface="Consolas" panose="020B0609020204030204" pitchFamily="49" charset="0"/>
+            </a:endParaRPr>
+          </a:p>
+          <a:p>
+            <a:pPr marL="914400" lvl="2" indent="0">
+              <a:buNone/>
+            </a:pPr>
+            <a:r>
+              <a:rPr lang="en-AU" sz="2400" dirty="0" err="1">
+                <a:latin typeface="Consolas" panose="020B0609020204030204" pitchFamily="49" charset="0"/>
+              </a:rPr>
+              <a:t>self.__debug</a:t>
+            </a:r>
+            <a:r>
+              <a:rPr lang="en-AU" sz="2400" dirty="0">
+                <a:latin typeface="Consolas" panose="020B0609020204030204" pitchFamily="49" charset="0"/>
+              </a:rPr>
+              <a:t> = debug</a:t>
+            </a:r>
+          </a:p>
+          <a:p>
+            <a:pPr marL="914400" lvl="2" indent="0">
+              <a:buNone/>
+            </a:pPr>
+            <a:r>
+              <a:rPr lang="en-AU" sz="2400" dirty="0" err="1">
+                <a:latin typeface="Consolas" panose="020B0609020204030204" pitchFamily="49" charset="0"/>
+              </a:rPr>
+              <a:t>self.__pin</a:t>
+            </a:r>
+            <a:r>
+              <a:rPr lang="en-AU" sz="2400" dirty="0">
+                <a:latin typeface="Consolas" panose="020B0609020204030204" pitchFamily="49" charset="0"/>
+              </a:rPr>
+              <a:t> = pin</a:t>
+            </a:r>
+          </a:p>
+          <a:p>
+            <a:pPr marL="914400" lvl="2" indent="0">
+              <a:buNone/>
+            </a:pPr>
+            <a:r>
+              <a:rPr lang="en-AU" sz="2400" dirty="0" err="1">
+                <a:latin typeface="Consolas" panose="020B0609020204030204" pitchFamily="49" charset="0"/>
+              </a:rPr>
+              <a:t>self.__flashing</a:t>
+            </a:r>
+            <a:r>
+              <a:rPr lang="en-AU" sz="2400" dirty="0">
+                <a:latin typeface="Consolas" panose="020B0609020204030204" pitchFamily="49" charset="0"/>
+              </a:rPr>
+              <a:t> = flashing</a:t>
+            </a:r>
+          </a:p>
+          <a:p>
+            <a:pPr marL="914400" lvl="2" indent="0">
+              <a:buNone/>
+            </a:pPr>
+            <a:r>
+              <a:rPr lang="en-US" sz="2400" dirty="0">
+                <a:solidFill>
+                  <a:srgbClr val="FF0000"/>
+                </a:solidFill>
+                <a:latin typeface="Consolas" panose="020B0609020204030204" pitchFamily="49" charset="0"/>
+              </a:rPr>
+              <a:t>self.__</a:t>
+            </a:r>
+            <a:r>
+              <a:rPr lang="en-US" sz="2400" dirty="0" err="1">
+                <a:solidFill>
+                  <a:srgbClr val="FF0000"/>
+                </a:solidFill>
+                <a:latin typeface="Consolas" panose="020B0609020204030204" pitchFamily="49" charset="0"/>
+              </a:rPr>
+              <a:t>last_toggle_time</a:t>
+            </a:r>
+            <a:r>
+              <a:rPr lang="en-US" sz="2400" dirty="0">
+                <a:solidFill>
+                  <a:srgbClr val="FF0000"/>
+                </a:solidFill>
+                <a:latin typeface="Consolas" panose="020B0609020204030204" pitchFamily="49" charset="0"/>
+              </a:rPr>
+              <a:t> = time()</a:t>
+            </a:r>
+            <a:endParaRPr lang="en-AU" sz="2400" dirty="0">
+              <a:solidFill>
+                <a:srgbClr val="FF0000"/>
+              </a:solidFill>
+              <a:latin typeface="Consolas" panose="020B0609020204030204" pitchFamily="49" charset="0"/>
+            </a:endParaRPr>
+          </a:p>
+        </p:txBody>
+      </p:sp>
+    </p:spTree>
+    <p:extLst>
+      <p:ext uri="{BB962C8B-B14F-4D97-AF65-F5344CB8AC3E}">
+        <p14:creationId xmlns:p14="http://schemas.microsoft.com/office/powerpoint/2010/main" val="3677520736"/>
+      </p:ext>
+    </p:extLst>
+  </p:cSld>
+  <p:clrMapOvr>
+    <a:masterClrMapping/>
+  </p:clrMapOvr>
+</p:sld>
+</file>
+
+<file path=ppt/slides/slide8.xml><?xml version="1.0" encoding="utf-8"?>
+<p:sld xmlns:a="http://schemas.openxmlformats.org/drawingml/2006/main" xmlns:r="http://schemas.openxmlformats.org/officeDocument/2006/relationships" xmlns:p="http://schemas.openxmlformats.org/presentationml/2006/main">
+  <p:cSld>
+    <p:spTree>
+      <p:nvGrpSpPr>
+        <p:cNvPr id="1" name="">
+          <a:extLst>
+            <a:ext uri="{FF2B5EF4-FFF2-40B4-BE49-F238E27FC236}">
+              <a16:creationId xmlns:a16="http://schemas.microsoft.com/office/drawing/2014/main" id="{86DA9E5E-364E-1050-B382-0323230656F0}"/>
+            </a:ext>
+          </a:extLst>
+        </p:cNvPr>
+        <p:cNvGrpSpPr/>
+        <p:nvPr/>
+      </p:nvGrpSpPr>
+      <p:grpSpPr>
+        <a:xfrm>
+          <a:off x="0" y="0"/>
+          <a:ext cx="0" cy="0"/>
+          <a:chOff x="0" y="0"/>
+          <a:chExt cx="0" cy="0"/>
+        </a:xfrm>
+      </p:grpSpPr>
+      <p:sp>
+        <p:nvSpPr>
+          <p:cNvPr id="2" name="Title 1">
+            <a:extLst>
+              <a:ext uri="{FF2B5EF4-FFF2-40B4-BE49-F238E27FC236}">
+                <a16:creationId xmlns:a16="http://schemas.microsoft.com/office/drawing/2014/main" id="{F9FE0DCF-3041-CDCF-80AB-ED8FCDC760F2}"/>
+              </a:ext>
+            </a:extLst>
+          </p:cNvPr>
+          <p:cNvSpPr>
+            <a:spLocks noGrp="1"/>
+          </p:cNvSpPr>
+          <p:nvPr>
+            <p:ph type="title"/>
+          </p:nvPr>
+        </p:nvSpPr>
+        <p:spPr/>
+        <p:txBody>
+          <a:bodyPr/>
+          <a:lstStyle/>
+          <a:p>
+            <a:r>
+              <a:rPr lang="en-AU" dirty="0"/>
+              <a:t>Create a .flash() method</a:t>
+            </a:r>
+          </a:p>
+        </p:txBody>
+      </p:sp>
+      <p:sp>
+        <p:nvSpPr>
+          <p:cNvPr id="3" name="Content Placeholder 2">
+            <a:extLst>
+              <a:ext uri="{FF2B5EF4-FFF2-40B4-BE49-F238E27FC236}">
+                <a16:creationId xmlns:a16="http://schemas.microsoft.com/office/drawing/2014/main" id="{80B035CA-EE87-9CA8-8176-1BB1833A59B1}"/>
+              </a:ext>
+            </a:extLst>
+          </p:cNvPr>
+          <p:cNvSpPr>
+            <a:spLocks noGrp="1"/>
+          </p:cNvSpPr>
+          <p:nvPr>
+            <p:ph idx="1"/>
+          </p:nvPr>
+        </p:nvSpPr>
+        <p:spPr/>
+        <p:txBody>
+          <a:bodyPr>
+            <a:normAutofit/>
+          </a:bodyPr>
+          <a:lstStyle/>
+          <a:p>
+            <a:pPr marL="0" indent="0">
+              <a:buNone/>
+            </a:pPr>
+            <a:r>
+              <a:rPr lang="en-US" sz="2400" dirty="0">
+                <a:latin typeface="Consolas" panose="020B0609020204030204" pitchFamily="49" charset="0"/>
+              </a:rPr>
+              <a:t>def flash(self):</a:t>
+            </a:r>
+          </a:p>
+          <a:p>
+            <a:pPr marL="0" indent="0">
+              <a:buNone/>
+            </a:pPr>
+            <a:r>
+              <a:rPr lang="en-US" sz="2400" dirty="0">
+                <a:latin typeface="Consolas" panose="020B0609020204030204" pitchFamily="49" charset="0"/>
+              </a:rPr>
+              <a:t># Non-blocking flash: toggles LED every 0.5s for the given duration</a:t>
+            </a:r>
+          </a:p>
+          <a:p>
+            <a:pPr marL="457200" lvl="1" indent="0">
+              <a:buNone/>
+            </a:pPr>
+            <a:r>
+              <a:rPr lang="en-US" dirty="0">
+                <a:latin typeface="Consolas" panose="020B0609020204030204" pitchFamily="49" charset="0"/>
+              </a:rPr>
+              <a:t>now = time()</a:t>
+            </a:r>
+          </a:p>
+          <a:p>
+            <a:pPr marL="457200" lvl="1" indent="0">
+              <a:buNone/>
+            </a:pPr>
+            <a:r>
+              <a:rPr lang="en-US" dirty="0">
+                <a:latin typeface="Consolas" panose="020B0609020204030204" pitchFamily="49" charset="0"/>
+              </a:rPr>
+              <a:t>if </a:t>
+            </a:r>
+            <a:r>
+              <a:rPr lang="en-US" dirty="0" err="1">
+                <a:latin typeface="Consolas" panose="020B0609020204030204" pitchFamily="49" charset="0"/>
+              </a:rPr>
+              <a:t>self.__flashing</a:t>
+            </a:r>
+            <a:r>
+              <a:rPr lang="en-US" dirty="0">
+                <a:latin typeface="Consolas" panose="020B0609020204030204" pitchFamily="49" charset="0"/>
+              </a:rPr>
+              <a:t> and now - self.__</a:t>
+            </a:r>
+            <a:r>
+              <a:rPr lang="en-US" dirty="0" err="1">
+                <a:latin typeface="Consolas" panose="020B0609020204030204" pitchFamily="49" charset="0"/>
+              </a:rPr>
+              <a:t>last_toggle_time</a:t>
+            </a:r>
+            <a:r>
+              <a:rPr lang="en-US" dirty="0">
+                <a:latin typeface="Consolas" panose="020B0609020204030204" pitchFamily="49" charset="0"/>
+              </a:rPr>
+              <a:t> &gt;= 0.5:</a:t>
+            </a:r>
+          </a:p>
+          <a:p>
+            <a:pPr marL="914400" lvl="2" indent="0">
+              <a:buNone/>
+            </a:pPr>
+            <a:r>
+              <a:rPr lang="en-US" sz="2400" dirty="0" err="1">
+                <a:latin typeface="Consolas" panose="020B0609020204030204" pitchFamily="49" charset="0"/>
+              </a:rPr>
+              <a:t>self.toggle</a:t>
+            </a:r>
+            <a:r>
+              <a:rPr lang="en-US" sz="2400" dirty="0">
+                <a:latin typeface="Consolas" panose="020B0609020204030204" pitchFamily="49" charset="0"/>
+              </a:rPr>
+              <a:t>()</a:t>
+            </a:r>
+          </a:p>
+          <a:p>
+            <a:pPr marL="914400" lvl="2" indent="0">
+              <a:buNone/>
+            </a:pPr>
+            <a:r>
+              <a:rPr lang="en-US" sz="2400" dirty="0">
+                <a:latin typeface="Consolas" panose="020B0609020204030204" pitchFamily="49" charset="0"/>
+              </a:rPr>
+              <a:t>self.__</a:t>
+            </a:r>
+            <a:r>
+              <a:rPr lang="en-US" sz="2400" dirty="0" err="1">
+                <a:latin typeface="Consolas" panose="020B0609020204030204" pitchFamily="49" charset="0"/>
+              </a:rPr>
+              <a:t>last_toggle_time</a:t>
+            </a:r>
+            <a:r>
+              <a:rPr lang="en-US" sz="2400" dirty="0">
+                <a:latin typeface="Consolas" panose="020B0609020204030204" pitchFamily="49" charset="0"/>
+              </a:rPr>
+              <a:t> = now</a:t>
+            </a:r>
+            <a:endParaRPr lang="en-AU" sz="2400" dirty="0">
+              <a:latin typeface="Consolas" panose="020B0609020204030204" pitchFamily="49" charset="0"/>
+            </a:endParaRPr>
+          </a:p>
+        </p:txBody>
+      </p:sp>
+    </p:spTree>
+    <p:extLst>
+      <p:ext uri="{BB962C8B-B14F-4D97-AF65-F5344CB8AC3E}">
+        <p14:creationId xmlns:p14="http://schemas.microsoft.com/office/powerpoint/2010/main" val="578616549"/>
+      </p:ext>
+    </p:extLst>
+  </p:cSld>
+  <p:clrMapOvr>
+    <a:masterClrMapping/>
+  </p:clrMapOvr>
+</p:sld>
+</file>
+
+<file path=ppt/slides/slide9.xml><?xml version="1.0" encoding="utf-8"?>
+<p:sld xmlns:a="http://schemas.openxmlformats.org/drawingml/2006/main" xmlns:r="http://schemas.openxmlformats.org/officeDocument/2006/relationships" xmlns:p="http://schemas.openxmlformats.org/presentationml/2006/main">
+  <p:cSld>
+    <p:spTree>
+      <p:nvGrpSpPr>
+        <p:cNvPr id="1" name="">
+          <a:extLst>
+            <a:ext uri="{FF2B5EF4-FFF2-40B4-BE49-F238E27FC236}">
+              <a16:creationId xmlns:a16="http://schemas.microsoft.com/office/drawing/2014/main" id="{C9214DE4-A951-E3E8-F6DE-8B598B4E240A}"/>
+            </a:ext>
+          </a:extLst>
+        </p:cNvPr>
+        <p:cNvGrpSpPr/>
+        <p:nvPr/>
+      </p:nvGrpSpPr>
+      <p:grpSpPr>
+        <a:xfrm>
+          <a:off x="0" y="0"/>
+          <a:ext cx="0" cy="0"/>
+          <a:chOff x="0" y="0"/>
+          <a:chExt cx="0" cy="0"/>
+        </a:xfrm>
+      </p:grpSpPr>
+      <p:sp>
+        <p:nvSpPr>
+          <p:cNvPr id="2" name="Title 1">
+            <a:extLst>
+              <a:ext uri="{FF2B5EF4-FFF2-40B4-BE49-F238E27FC236}">
+                <a16:creationId xmlns:a16="http://schemas.microsoft.com/office/drawing/2014/main" id="{09DFCA04-40AB-1DE0-594C-0D03D162C05F}"/>
+              </a:ext>
+            </a:extLst>
+          </p:cNvPr>
+          <p:cNvSpPr>
+            <a:spLocks noGrp="1"/>
+          </p:cNvSpPr>
+          <p:nvPr>
+            <p:ph type="title"/>
+          </p:nvPr>
+        </p:nvSpPr>
+        <p:spPr/>
+        <p:txBody>
+          <a:bodyPr/>
+          <a:lstStyle/>
+          <a:p>
+            <a:r>
+              <a:rPr lang="en-AU" dirty="0"/>
+              <a:t>Test the non blocking .flash() method</a:t>
+            </a:r>
+          </a:p>
+        </p:txBody>
+      </p:sp>
+      <p:sp>
+        <p:nvSpPr>
+          <p:cNvPr id="3" name="Content Placeholder 2">
+            <a:extLst>
+              <a:ext uri="{FF2B5EF4-FFF2-40B4-BE49-F238E27FC236}">
+                <a16:creationId xmlns:a16="http://schemas.microsoft.com/office/drawing/2014/main" id="{102FF016-33CC-9E9D-4289-DAEF58DEB8BB}"/>
+              </a:ext>
+            </a:extLst>
+          </p:cNvPr>
+          <p:cNvSpPr>
+            <a:spLocks noGrp="1"/>
+          </p:cNvSpPr>
+          <p:nvPr>
+            <p:ph idx="1"/>
+          </p:nvPr>
+        </p:nvSpPr>
+        <p:spPr/>
+        <p:txBody>
+          <a:bodyPr>
+            <a:normAutofit/>
+          </a:bodyPr>
+          <a:lstStyle/>
+          <a:p>
+            <a:pPr marL="0" indent="0">
+              <a:buNone/>
+            </a:pPr>
+            <a:r>
+              <a:rPr lang="en-US" sz="2400" dirty="0" err="1">
+                <a:latin typeface="Consolas" panose="020B0609020204030204" pitchFamily="49" charset="0"/>
+              </a:rPr>
+              <a:t>red_light</a:t>
+            </a:r>
+            <a:r>
+              <a:rPr lang="en-US" sz="2400" dirty="0">
+                <a:latin typeface="Consolas" panose="020B0609020204030204" pitchFamily="49" charset="0"/>
+              </a:rPr>
+              <a:t> = </a:t>
+            </a:r>
+            <a:r>
+              <a:rPr lang="en-US" sz="2400" dirty="0" err="1">
+                <a:latin typeface="Consolas" panose="020B0609020204030204" pitchFamily="49" charset="0"/>
+              </a:rPr>
+              <a:t>Led_Light</a:t>
+            </a:r>
+            <a:r>
+              <a:rPr lang="en-US" sz="2400" dirty="0">
+                <a:latin typeface="Consolas" panose="020B0609020204030204" pitchFamily="49" charset="0"/>
+              </a:rPr>
+              <a:t>(3, True, True)</a:t>
+            </a:r>
+          </a:p>
+          <a:p>
+            <a:pPr marL="0" indent="0">
+              <a:buNone/>
+            </a:pPr>
+            <a:endParaRPr lang="en-US" sz="2400" dirty="0">
+              <a:latin typeface="Consolas" panose="020B0609020204030204" pitchFamily="49" charset="0"/>
+            </a:endParaRPr>
+          </a:p>
+          <a:p>
+            <a:pPr marL="0" indent="0">
+              <a:buNone/>
+            </a:pPr>
+            <a:r>
+              <a:rPr lang="en-US" sz="2400" dirty="0">
+                <a:latin typeface="Consolas" panose="020B0609020204030204" pitchFamily="49" charset="0"/>
+              </a:rPr>
+              <a:t>while True:</a:t>
+            </a:r>
+          </a:p>
+          <a:p>
+            <a:pPr marL="457200" lvl="1" indent="0">
+              <a:buNone/>
+            </a:pPr>
+            <a:r>
+              <a:rPr lang="en-US" dirty="0" err="1">
+                <a:latin typeface="Consolas" panose="020B0609020204030204" pitchFamily="49" charset="0"/>
+              </a:rPr>
+              <a:t>red_light.flash</a:t>
+            </a:r>
+            <a:r>
+              <a:rPr lang="en-US" dirty="0">
+                <a:latin typeface="Consolas" panose="020B0609020204030204" pitchFamily="49" charset="0"/>
+              </a:rPr>
+              <a:t>()</a:t>
+            </a:r>
+          </a:p>
+          <a:p>
+            <a:pPr marL="457200" lvl="1" indent="0">
+              <a:buNone/>
+            </a:pPr>
+            <a:r>
+              <a:rPr lang="en-US" dirty="0">
+                <a:latin typeface="Consolas" panose="020B0609020204030204" pitchFamily="49" charset="0"/>
+              </a:rPr>
+              <a:t>sleep(0.1)</a:t>
+            </a:r>
+            <a:endParaRPr lang="en-AU" dirty="0">
+              <a:latin typeface="Consolas" panose="020B0609020204030204" pitchFamily="49" charset="0"/>
+            </a:endParaRPr>
+          </a:p>
+        </p:txBody>
+      </p:sp>
+    </p:spTree>
+    <p:extLst>
+      <p:ext uri="{BB962C8B-B14F-4D97-AF65-F5344CB8AC3E}">
+        <p14:creationId xmlns:p14="http://schemas.microsoft.com/office/powerpoint/2010/main" val="1316196699"/>
       </p:ext>
     </p:extLst>
   </p:cSld>

--- a/tutorials/presentations/Lecture3.pptx
+++ b/tutorials/presentations/Lecture3.pptx
@@ -935,7 +935,7 @@
   <pc:docChgLst>
     <pc:chgData name="Ben Jones (Ben Jones)" userId="e6e8a0f3-34fe-4d14-b7ab-3a9f1769fff2" providerId="ADAL" clId="{B204C6DB-D499-4973-8E04-3A79F73ABFFA}"/>
     <pc:docChg chg="undo custSel addSld delSld modSld">
-      <pc:chgData name="Ben Jones (Ben Jones)" userId="e6e8a0f3-34fe-4d14-b7ab-3a9f1769fff2" providerId="ADAL" clId="{B204C6DB-D499-4973-8E04-3A79F73ABFFA}" dt="2025-06-11T11:57:07.714" v="1048" actId="20577"/>
+      <pc:chgData name="Ben Jones (Ben Jones)" userId="e6e8a0f3-34fe-4d14-b7ab-3a9f1769fff2" providerId="ADAL" clId="{B204C6DB-D499-4973-8E04-3A79F73ABFFA}" dt="2025-06-11T13:06:38.917" v="1052" actId="948"/>
       <pc:docMkLst>
         <pc:docMk/>
       </pc:docMkLst>
@@ -1184,7 +1184,7 @@
         </pc:sldMkLst>
       </pc:sldChg>
       <pc:sldChg chg="modSp add mod">
-        <pc:chgData name="Ben Jones (Ben Jones)" userId="e6e8a0f3-34fe-4d14-b7ab-3a9f1769fff2" providerId="ADAL" clId="{B204C6DB-D499-4973-8E04-3A79F73ABFFA}" dt="2025-06-11T11:34:37.806" v="421" actId="255"/>
+        <pc:chgData name="Ben Jones (Ben Jones)" userId="e6e8a0f3-34fe-4d14-b7ab-3a9f1769fff2" providerId="ADAL" clId="{B204C6DB-D499-4973-8E04-3A79F73ABFFA}" dt="2025-06-11T13:06:15.012" v="1049" actId="948"/>
         <pc:sldMkLst>
           <pc:docMk/>
           <pc:sldMk cId="1200987726" sldId="277"/>
@@ -1198,7 +1198,7 @@
           </ac:spMkLst>
         </pc:spChg>
         <pc:spChg chg="mod">
-          <ac:chgData name="Ben Jones (Ben Jones)" userId="e6e8a0f3-34fe-4d14-b7ab-3a9f1769fff2" providerId="ADAL" clId="{B204C6DB-D499-4973-8E04-3A79F73ABFFA}" dt="2025-06-11T11:34:37.806" v="421" actId="255"/>
+          <ac:chgData name="Ben Jones (Ben Jones)" userId="e6e8a0f3-34fe-4d14-b7ab-3a9f1769fff2" providerId="ADAL" clId="{B204C6DB-D499-4973-8E04-3A79F73ABFFA}" dt="2025-06-11T13:06:15.012" v="1049" actId="948"/>
           <ac:spMkLst>
             <pc:docMk/>
             <pc:sldMk cId="1200987726" sldId="277"/>
@@ -1214,13 +1214,13 @@
         </pc:sldMkLst>
       </pc:sldChg>
       <pc:sldChg chg="modSp add mod">
-        <pc:chgData name="Ben Jones (Ben Jones)" userId="e6e8a0f3-34fe-4d14-b7ab-3a9f1769fff2" providerId="ADAL" clId="{B204C6DB-D499-4973-8E04-3A79F73ABFFA}" dt="2025-06-11T11:37:02.757" v="428" actId="207"/>
+        <pc:chgData name="Ben Jones (Ben Jones)" userId="e6e8a0f3-34fe-4d14-b7ab-3a9f1769fff2" providerId="ADAL" clId="{B204C6DB-D499-4973-8E04-3A79F73ABFFA}" dt="2025-06-11T13:06:23.043" v="1050" actId="948"/>
         <pc:sldMkLst>
           <pc:docMk/>
           <pc:sldMk cId="3677520736" sldId="279"/>
         </pc:sldMkLst>
         <pc:spChg chg="mod">
-          <ac:chgData name="Ben Jones (Ben Jones)" userId="e6e8a0f3-34fe-4d14-b7ab-3a9f1769fff2" providerId="ADAL" clId="{B204C6DB-D499-4973-8E04-3A79F73ABFFA}" dt="2025-06-11T11:37:02.757" v="428" actId="207"/>
+          <ac:chgData name="Ben Jones (Ben Jones)" userId="e6e8a0f3-34fe-4d14-b7ab-3a9f1769fff2" providerId="ADAL" clId="{B204C6DB-D499-4973-8E04-3A79F73ABFFA}" dt="2025-06-11T13:06:23.043" v="1050" actId="948"/>
           <ac:spMkLst>
             <pc:docMk/>
             <pc:sldMk cId="3677520736" sldId="279"/>
@@ -1229,7 +1229,7 @@
         </pc:spChg>
       </pc:sldChg>
       <pc:sldChg chg="modSp add mod">
-        <pc:chgData name="Ben Jones (Ben Jones)" userId="e6e8a0f3-34fe-4d14-b7ab-3a9f1769fff2" providerId="ADAL" clId="{B204C6DB-D499-4973-8E04-3A79F73ABFFA}" dt="2025-06-11T11:38:38.123" v="490" actId="20577"/>
+        <pc:chgData name="Ben Jones (Ben Jones)" userId="e6e8a0f3-34fe-4d14-b7ab-3a9f1769fff2" providerId="ADAL" clId="{B204C6DB-D499-4973-8E04-3A79F73ABFFA}" dt="2025-06-11T13:06:32.009" v="1051" actId="948"/>
         <pc:sldMkLst>
           <pc:docMk/>
           <pc:sldMk cId="578616549" sldId="280"/>
@@ -1243,7 +1243,7 @@
           </ac:spMkLst>
         </pc:spChg>
         <pc:spChg chg="mod">
-          <ac:chgData name="Ben Jones (Ben Jones)" userId="e6e8a0f3-34fe-4d14-b7ab-3a9f1769fff2" providerId="ADAL" clId="{B204C6DB-D499-4973-8E04-3A79F73ABFFA}" dt="2025-06-11T11:38:10.346" v="441" actId="255"/>
+          <ac:chgData name="Ben Jones (Ben Jones)" userId="e6e8a0f3-34fe-4d14-b7ab-3a9f1769fff2" providerId="ADAL" clId="{B204C6DB-D499-4973-8E04-3A79F73ABFFA}" dt="2025-06-11T13:06:32.009" v="1051" actId="948"/>
           <ac:spMkLst>
             <pc:docMk/>
             <pc:sldMk cId="578616549" sldId="280"/>
@@ -1259,7 +1259,7 @@
         </pc:sldMkLst>
       </pc:sldChg>
       <pc:sldChg chg="modSp add mod">
-        <pc:chgData name="Ben Jones (Ben Jones)" userId="e6e8a0f3-34fe-4d14-b7ab-3a9f1769fff2" providerId="ADAL" clId="{B204C6DB-D499-4973-8E04-3A79F73ABFFA}" dt="2025-06-11T11:43:30.550" v="1046" actId="255"/>
+        <pc:chgData name="Ben Jones (Ben Jones)" userId="e6e8a0f3-34fe-4d14-b7ab-3a9f1769fff2" providerId="ADAL" clId="{B204C6DB-D499-4973-8E04-3A79F73ABFFA}" dt="2025-06-11T13:06:38.917" v="1052" actId="948"/>
         <pc:sldMkLst>
           <pc:docMk/>
           <pc:sldMk cId="1316196699" sldId="281"/>
@@ -1273,7 +1273,7 @@
           </ac:spMkLst>
         </pc:spChg>
         <pc:spChg chg="mod">
-          <ac:chgData name="Ben Jones (Ben Jones)" userId="e6e8a0f3-34fe-4d14-b7ab-3a9f1769fff2" providerId="ADAL" clId="{B204C6DB-D499-4973-8E04-3A79F73ABFFA}" dt="2025-06-11T11:43:30.550" v="1046" actId="255"/>
+          <ac:chgData name="Ben Jones (Ben Jones)" userId="e6e8a0f3-34fe-4d14-b7ab-3a9f1769fff2" providerId="ADAL" clId="{B204C6DB-D499-4973-8E04-3A79F73ABFFA}" dt="2025-06-11T13:06:38.917" v="1052" actId="948"/>
           <ac:spMkLst>
             <pc:docMk/>
             <pc:sldMk cId="1316196699" sldId="281"/>
@@ -5507,6 +5507,12 @@
           <a:lstStyle/>
           <a:p>
             <a:pPr marL="0" indent="0">
+              <a:lnSpc>
+                <a:spcPct val="120000"/>
+              </a:lnSpc>
+              <a:spcBef>
+                <a:spcPts val="0"/>
+              </a:spcBef>
               <a:buNone/>
             </a:pPr>
             <a:r>
@@ -5539,6 +5545,12 @@
           </a:p>
           <a:p>
             <a:pPr marL="0" indent="0">
+              <a:lnSpc>
+                <a:spcPct val="120000"/>
+              </a:lnSpc>
+              <a:spcBef>
+                <a:spcPts val="0"/>
+              </a:spcBef>
               <a:buNone/>
             </a:pPr>
             <a:r>
@@ -5550,6 +5562,12 @@
           </a:p>
           <a:p>
             <a:pPr marL="0" indent="0">
+              <a:lnSpc>
+                <a:spcPct val="120000"/>
+              </a:lnSpc>
+              <a:spcBef>
+                <a:spcPts val="0"/>
+              </a:spcBef>
               <a:buNone/>
             </a:pPr>
             <a:endParaRPr lang="en-AU" sz="2400" dirty="0">
@@ -5558,6 +5576,12 @@
           </a:p>
           <a:p>
             <a:pPr marL="0" indent="0">
+              <a:lnSpc>
+                <a:spcPct val="120000"/>
+              </a:lnSpc>
+              <a:spcBef>
+                <a:spcPts val="0"/>
+              </a:spcBef>
               <a:buNone/>
             </a:pPr>
             <a:r>
@@ -5587,6 +5611,12 @@
           </a:p>
           <a:p>
             <a:pPr marL="0" indent="0">
+              <a:lnSpc>
+                <a:spcPct val="120000"/>
+              </a:lnSpc>
+              <a:spcBef>
+                <a:spcPts val="0"/>
+              </a:spcBef>
               <a:buNone/>
             </a:pPr>
             <a:endParaRPr lang="en-AU" sz="2400" dirty="0">
@@ -5595,6 +5625,12 @@
           </a:p>
           <a:p>
             <a:pPr marL="0" indent="0">
+              <a:lnSpc>
+                <a:spcPct val="120000"/>
+              </a:lnSpc>
+              <a:spcBef>
+                <a:spcPts val="0"/>
+              </a:spcBef>
               <a:buNone/>
             </a:pPr>
             <a:r>
@@ -5606,6 +5642,12 @@
           </a:p>
           <a:p>
             <a:pPr marL="0" indent="0">
+              <a:lnSpc>
+                <a:spcPct val="120000"/>
+              </a:lnSpc>
+              <a:spcBef>
+                <a:spcPts val="0"/>
+              </a:spcBef>
               <a:buNone/>
             </a:pPr>
             <a:r>
@@ -5629,6 +5671,12 @@
           </a:p>
           <a:p>
             <a:pPr marL="0" indent="0">
+              <a:lnSpc>
+                <a:spcPct val="120000"/>
+              </a:lnSpc>
+              <a:spcBef>
+                <a:spcPts val="0"/>
+              </a:spcBef>
               <a:buNone/>
             </a:pPr>
             <a:r>
@@ -5652,6 +5700,12 @@
           </a:p>
           <a:p>
             <a:pPr marL="0" indent="0">
+              <a:lnSpc>
+                <a:spcPct val="120000"/>
+              </a:lnSpc>
+              <a:spcBef>
+                <a:spcPts val="0"/>
+              </a:spcBef>
               <a:buNone/>
             </a:pPr>
             <a:r>
@@ -5663,6 +5717,12 @@
           </a:p>
           <a:p>
             <a:pPr marL="0" indent="0">
+              <a:lnSpc>
+                <a:spcPct val="120000"/>
+              </a:lnSpc>
+              <a:spcBef>
+                <a:spcPts val="0"/>
+              </a:spcBef>
               <a:buNone/>
             </a:pPr>
             <a:r>
@@ -5686,6 +5746,12 @@
           </a:p>
           <a:p>
             <a:pPr marL="0" indent="0">
+              <a:lnSpc>
+                <a:spcPct val="120000"/>
+              </a:lnSpc>
+              <a:spcBef>
+                <a:spcPts val="0"/>
+              </a:spcBef>
               <a:buNone/>
             </a:pPr>
             <a:r>
@@ -5709,6 +5775,12 @@
           </a:p>
           <a:p>
             <a:pPr marL="0" indent="0">
+              <a:lnSpc>
+                <a:spcPct val="120000"/>
+              </a:lnSpc>
+              <a:spcBef>
+                <a:spcPts val="0"/>
+              </a:spcBef>
               <a:buNone/>
             </a:pPr>
             <a:r>
@@ -5810,6 +5882,12 @@
           <a:lstStyle/>
           <a:p>
             <a:pPr marL="0" indent="0">
+              <a:lnSpc>
+                <a:spcPct val="100000"/>
+              </a:lnSpc>
+              <a:spcBef>
+                <a:spcPts val="0"/>
+              </a:spcBef>
               <a:buNone/>
             </a:pPr>
             <a:r>
@@ -5833,6 +5911,12 @@
           </a:p>
           <a:p>
             <a:pPr marL="0" indent="0">
+              <a:lnSpc>
+                <a:spcPct val="100000"/>
+              </a:lnSpc>
+              <a:spcBef>
+                <a:spcPts val="0"/>
+              </a:spcBef>
               <a:buNone/>
             </a:pPr>
             <a:r>
@@ -5844,6 +5928,12 @@
           </a:p>
           <a:p>
             <a:pPr marL="457200" lvl="1" indent="0">
+              <a:lnSpc>
+                <a:spcPct val="100000"/>
+              </a:lnSpc>
+              <a:spcBef>
+                <a:spcPts val="0"/>
+              </a:spcBef>
               <a:buNone/>
             </a:pPr>
             <a:r>
@@ -5867,6 +5957,12 @@
           </a:p>
           <a:p>
             <a:pPr marL="914400" lvl="2" indent="0">
+              <a:lnSpc>
+                <a:spcPct val="100000"/>
+              </a:lnSpc>
+              <a:spcBef>
+                <a:spcPts val="0"/>
+              </a:spcBef>
               <a:buNone/>
             </a:pPr>
             <a:r>
@@ -5902,6 +5998,12 @@
           </a:p>
           <a:p>
             <a:pPr marL="914400" lvl="2" indent="0">
+              <a:lnSpc>
+                <a:spcPct val="100000"/>
+              </a:lnSpc>
+              <a:spcBef>
+                <a:spcPts val="0"/>
+              </a:spcBef>
               <a:buNone/>
             </a:pPr>
             <a:r>
@@ -5916,6 +6018,12 @@
           </a:p>
           <a:p>
             <a:pPr marL="914400" lvl="2" indent="0">
+              <a:lnSpc>
+                <a:spcPct val="100000"/>
+              </a:lnSpc>
+              <a:spcBef>
+                <a:spcPts val="0"/>
+              </a:spcBef>
               <a:buNone/>
             </a:pPr>
             <a:r>
@@ -5933,6 +6041,12 @@
           </a:p>
           <a:p>
             <a:pPr marL="914400" lvl="2" indent="0">
+              <a:lnSpc>
+                <a:spcPct val="100000"/>
+              </a:lnSpc>
+              <a:spcBef>
+                <a:spcPts val="0"/>
+              </a:spcBef>
               <a:buNone/>
             </a:pPr>
             <a:r>
@@ -5950,6 +6064,12 @@
           </a:p>
           <a:p>
             <a:pPr marL="914400" lvl="2" indent="0">
+              <a:lnSpc>
+                <a:spcPct val="100000"/>
+              </a:lnSpc>
+              <a:spcBef>
+                <a:spcPts val="0"/>
+              </a:spcBef>
               <a:buNone/>
             </a:pPr>
             <a:r>
@@ -5967,6 +6087,12 @@
           </a:p>
           <a:p>
             <a:pPr marL="914400" lvl="2" indent="0">
+              <a:lnSpc>
+                <a:spcPct val="100000"/>
+              </a:lnSpc>
+              <a:spcBef>
+                <a:spcPts val="0"/>
+              </a:spcBef>
               <a:buNone/>
             </a:pPr>
             <a:r>
@@ -6093,6 +6219,12 @@
           <a:lstStyle/>
           <a:p>
             <a:pPr marL="0" indent="0">
+              <a:lnSpc>
+                <a:spcPct val="100000"/>
+              </a:lnSpc>
+              <a:spcBef>
+                <a:spcPts val="0"/>
+              </a:spcBef>
               <a:buNone/>
             </a:pPr>
             <a:r>
@@ -6104,6 +6236,12 @@
           </a:p>
           <a:p>
             <a:pPr marL="0" indent="0">
+              <a:lnSpc>
+                <a:spcPct val="100000"/>
+              </a:lnSpc>
+              <a:spcBef>
+                <a:spcPts val="0"/>
+              </a:spcBef>
               <a:buNone/>
             </a:pPr>
             <a:r>
@@ -6115,6 +6253,12 @@
           </a:p>
           <a:p>
             <a:pPr marL="457200" lvl="1" indent="0">
+              <a:lnSpc>
+                <a:spcPct val="100000"/>
+              </a:lnSpc>
+              <a:spcBef>
+                <a:spcPts val="0"/>
+              </a:spcBef>
               <a:buNone/>
             </a:pPr>
             <a:r>
@@ -6126,6 +6270,12 @@
           </a:p>
           <a:p>
             <a:pPr marL="457200" lvl="1" indent="0">
+              <a:lnSpc>
+                <a:spcPct val="100000"/>
+              </a:lnSpc>
+              <a:spcBef>
+                <a:spcPts val="0"/>
+              </a:spcBef>
               <a:buNone/>
             </a:pPr>
             <a:r>
@@ -6161,6 +6311,12 @@
           </a:p>
           <a:p>
             <a:pPr marL="914400" lvl="2" indent="0">
+              <a:lnSpc>
+                <a:spcPct val="100000"/>
+              </a:lnSpc>
+              <a:spcBef>
+                <a:spcPts val="0"/>
+              </a:spcBef>
               <a:buNone/>
             </a:pPr>
             <a:r>
@@ -6178,6 +6334,12 @@
           </a:p>
           <a:p>
             <a:pPr marL="914400" lvl="2" indent="0">
+              <a:lnSpc>
+                <a:spcPct val="100000"/>
+              </a:lnSpc>
+              <a:spcBef>
+                <a:spcPts val="0"/>
+              </a:spcBef>
               <a:buNone/>
             </a:pPr>
             <a:r>
@@ -6292,6 +6454,12 @@
           <a:lstStyle/>
           <a:p>
             <a:pPr marL="0" indent="0">
+              <a:lnSpc>
+                <a:spcPct val="100000"/>
+              </a:lnSpc>
+              <a:spcBef>
+                <a:spcPts val="0"/>
+              </a:spcBef>
               <a:buNone/>
             </a:pPr>
             <a:r>
@@ -6321,6 +6489,12 @@
           </a:p>
           <a:p>
             <a:pPr marL="0" indent="0">
+              <a:lnSpc>
+                <a:spcPct val="100000"/>
+              </a:lnSpc>
+              <a:spcBef>
+                <a:spcPts val="0"/>
+              </a:spcBef>
               <a:buNone/>
             </a:pPr>
             <a:endParaRPr lang="en-US" sz="2400" dirty="0">
@@ -6329,6 +6503,12 @@
           </a:p>
           <a:p>
             <a:pPr marL="0" indent="0">
+              <a:lnSpc>
+                <a:spcPct val="100000"/>
+              </a:lnSpc>
+              <a:spcBef>
+                <a:spcPts val="0"/>
+              </a:spcBef>
               <a:buNone/>
             </a:pPr>
             <a:r>
@@ -6340,6 +6520,12 @@
           </a:p>
           <a:p>
             <a:pPr marL="457200" lvl="1" indent="0">
+              <a:lnSpc>
+                <a:spcPct val="100000"/>
+              </a:lnSpc>
+              <a:spcBef>
+                <a:spcPts val="0"/>
+              </a:spcBef>
               <a:buNone/>
             </a:pPr>
             <a:r>
@@ -6357,6 +6543,12 @@
           </a:p>
           <a:p>
             <a:pPr marL="457200" lvl="1" indent="0">
+              <a:lnSpc>
+                <a:spcPct val="100000"/>
+              </a:lnSpc>
+              <a:spcBef>
+                <a:spcPts val="0"/>
+              </a:spcBef>
               <a:buNone/>
             </a:pPr>
             <a:r>
